--- a/docs/solution-architecture.pptx
+++ b/docs/solution-architecture.pptx
@@ -241,7 +241,7 @@
           <a:p>
             <a:fld id="{BBDCF4EB-1403-41AA-A68E-9DA0E684C70F}" type="datetimeFigureOut">
               <a:rPr lang="de-DE" smtClean="0"/>
-              <a:t>05.12.2016</a:t>
+              <a:t>09.12.16</a:t>
             </a:fld>
             <a:endParaRPr lang="de-DE"/>
           </a:p>
@@ -283,7 +283,7 @@
           <a:p>
             <a:fld id="{FAD9A16E-BB74-41DB-AB4C-D3204D740776}" type="slidenum">
               <a:rPr lang="de-DE" smtClean="0"/>
-              <a:t>‹Nr.›</a:t>
+              <a:t>‹#›</a:t>
             </a:fld>
             <a:endParaRPr lang="de-DE"/>
           </a:p>
@@ -409,7 +409,7 @@
           <a:p>
             <a:fld id="{BBDCF4EB-1403-41AA-A68E-9DA0E684C70F}" type="datetimeFigureOut">
               <a:rPr lang="de-DE" smtClean="0"/>
-              <a:t>05.12.2016</a:t>
+              <a:t>09.12.16</a:t>
             </a:fld>
             <a:endParaRPr lang="de-DE"/>
           </a:p>
@@ -451,7 +451,7 @@
           <a:p>
             <a:fld id="{FAD9A16E-BB74-41DB-AB4C-D3204D740776}" type="slidenum">
               <a:rPr lang="de-DE" smtClean="0"/>
-              <a:t>‹Nr.›</a:t>
+              <a:t>‹#›</a:t>
             </a:fld>
             <a:endParaRPr lang="de-DE"/>
           </a:p>
@@ -587,7 +587,7 @@
           <a:p>
             <a:fld id="{BBDCF4EB-1403-41AA-A68E-9DA0E684C70F}" type="datetimeFigureOut">
               <a:rPr lang="de-DE" smtClean="0"/>
-              <a:t>05.12.2016</a:t>
+              <a:t>09.12.16</a:t>
             </a:fld>
             <a:endParaRPr lang="de-DE"/>
           </a:p>
@@ -629,7 +629,7 @@
           <a:p>
             <a:fld id="{FAD9A16E-BB74-41DB-AB4C-D3204D740776}" type="slidenum">
               <a:rPr lang="de-DE" smtClean="0"/>
-              <a:t>‹Nr.›</a:t>
+              <a:t>‹#›</a:t>
             </a:fld>
             <a:endParaRPr lang="de-DE"/>
           </a:p>
@@ -755,7 +755,7 @@
           <a:p>
             <a:fld id="{BBDCF4EB-1403-41AA-A68E-9DA0E684C70F}" type="datetimeFigureOut">
               <a:rPr lang="de-DE" smtClean="0"/>
-              <a:t>05.12.2016</a:t>
+              <a:t>09.12.16</a:t>
             </a:fld>
             <a:endParaRPr lang="de-DE"/>
           </a:p>
@@ -797,7 +797,7 @@
           <a:p>
             <a:fld id="{FAD9A16E-BB74-41DB-AB4C-D3204D740776}" type="slidenum">
               <a:rPr lang="de-DE" smtClean="0"/>
-              <a:t>‹Nr.›</a:t>
+              <a:t>‹#›</a:t>
             </a:fld>
             <a:endParaRPr lang="de-DE"/>
           </a:p>
@@ -1000,7 +1000,7 @@
           <a:p>
             <a:fld id="{BBDCF4EB-1403-41AA-A68E-9DA0E684C70F}" type="datetimeFigureOut">
               <a:rPr lang="de-DE" smtClean="0"/>
-              <a:t>05.12.2016</a:t>
+              <a:t>09.12.16</a:t>
             </a:fld>
             <a:endParaRPr lang="de-DE"/>
           </a:p>
@@ -1042,7 +1042,7 @@
           <a:p>
             <a:fld id="{FAD9A16E-BB74-41DB-AB4C-D3204D740776}" type="slidenum">
               <a:rPr lang="de-DE" smtClean="0"/>
-              <a:t>‹Nr.›</a:t>
+              <a:t>‹#›</a:t>
             </a:fld>
             <a:endParaRPr lang="de-DE"/>
           </a:p>
@@ -1229,7 +1229,7 @@
           <a:p>
             <a:fld id="{BBDCF4EB-1403-41AA-A68E-9DA0E684C70F}" type="datetimeFigureOut">
               <a:rPr lang="de-DE" smtClean="0"/>
-              <a:t>05.12.2016</a:t>
+              <a:t>09.12.16</a:t>
             </a:fld>
             <a:endParaRPr lang="de-DE"/>
           </a:p>
@@ -1271,7 +1271,7 @@
           <a:p>
             <a:fld id="{FAD9A16E-BB74-41DB-AB4C-D3204D740776}" type="slidenum">
               <a:rPr lang="de-DE" smtClean="0"/>
-              <a:t>‹Nr.›</a:t>
+              <a:t>‹#›</a:t>
             </a:fld>
             <a:endParaRPr lang="de-DE"/>
           </a:p>
@@ -1593,7 +1593,7 @@
           <a:p>
             <a:fld id="{BBDCF4EB-1403-41AA-A68E-9DA0E684C70F}" type="datetimeFigureOut">
               <a:rPr lang="de-DE" smtClean="0"/>
-              <a:t>05.12.2016</a:t>
+              <a:t>09.12.16</a:t>
             </a:fld>
             <a:endParaRPr lang="de-DE"/>
           </a:p>
@@ -1635,7 +1635,7 @@
           <a:p>
             <a:fld id="{FAD9A16E-BB74-41DB-AB4C-D3204D740776}" type="slidenum">
               <a:rPr lang="de-DE" smtClean="0"/>
-              <a:t>‹Nr.›</a:t>
+              <a:t>‹#›</a:t>
             </a:fld>
             <a:endParaRPr lang="de-DE"/>
           </a:p>
@@ -1710,7 +1710,7 @@
           <a:p>
             <a:fld id="{BBDCF4EB-1403-41AA-A68E-9DA0E684C70F}" type="datetimeFigureOut">
               <a:rPr lang="de-DE" smtClean="0"/>
-              <a:t>05.12.2016</a:t>
+              <a:t>09.12.16</a:t>
             </a:fld>
             <a:endParaRPr lang="de-DE"/>
           </a:p>
@@ -1752,7 +1752,7 @@
           <a:p>
             <a:fld id="{FAD9A16E-BB74-41DB-AB4C-D3204D740776}" type="slidenum">
               <a:rPr lang="de-DE" smtClean="0"/>
-              <a:t>‹Nr.›</a:t>
+              <a:t>‹#›</a:t>
             </a:fld>
             <a:endParaRPr lang="de-DE"/>
           </a:p>
@@ -1805,7 +1805,7 @@
           <a:p>
             <a:fld id="{BBDCF4EB-1403-41AA-A68E-9DA0E684C70F}" type="datetimeFigureOut">
               <a:rPr lang="de-DE" smtClean="0"/>
-              <a:t>05.12.2016</a:t>
+              <a:t>09.12.16</a:t>
             </a:fld>
             <a:endParaRPr lang="de-DE"/>
           </a:p>
@@ -1847,7 +1847,7 @@
           <a:p>
             <a:fld id="{FAD9A16E-BB74-41DB-AB4C-D3204D740776}" type="slidenum">
               <a:rPr lang="de-DE" smtClean="0"/>
-              <a:t>‹Nr.›</a:t>
+              <a:t>‹#›</a:t>
             </a:fld>
             <a:endParaRPr lang="de-DE"/>
           </a:p>
@@ -2080,7 +2080,7 @@
           <a:p>
             <a:fld id="{BBDCF4EB-1403-41AA-A68E-9DA0E684C70F}" type="datetimeFigureOut">
               <a:rPr lang="de-DE" smtClean="0"/>
-              <a:t>05.12.2016</a:t>
+              <a:t>09.12.16</a:t>
             </a:fld>
             <a:endParaRPr lang="de-DE"/>
           </a:p>
@@ -2122,7 +2122,7 @@
           <a:p>
             <a:fld id="{FAD9A16E-BB74-41DB-AB4C-D3204D740776}" type="slidenum">
               <a:rPr lang="de-DE" smtClean="0"/>
-              <a:t>‹Nr.›</a:t>
+              <a:t>‹#›</a:t>
             </a:fld>
             <a:endParaRPr lang="de-DE"/>
           </a:p>
@@ -2332,7 +2332,7 @@
           <a:p>
             <a:fld id="{BBDCF4EB-1403-41AA-A68E-9DA0E684C70F}" type="datetimeFigureOut">
               <a:rPr lang="de-DE" smtClean="0"/>
-              <a:t>05.12.2016</a:t>
+              <a:t>09.12.16</a:t>
             </a:fld>
             <a:endParaRPr lang="de-DE"/>
           </a:p>
@@ -2374,7 +2374,7 @@
           <a:p>
             <a:fld id="{FAD9A16E-BB74-41DB-AB4C-D3204D740776}" type="slidenum">
               <a:rPr lang="de-DE" smtClean="0"/>
-              <a:t>‹Nr.›</a:t>
+              <a:t>‹#›</a:t>
             </a:fld>
             <a:endParaRPr lang="de-DE"/>
           </a:p>
@@ -2543,7 +2543,7 @@
           <a:p>
             <a:fld id="{BBDCF4EB-1403-41AA-A68E-9DA0E684C70F}" type="datetimeFigureOut">
               <a:rPr lang="de-DE" smtClean="0"/>
-              <a:t>05.12.2016</a:t>
+              <a:t>09.12.16</a:t>
             </a:fld>
             <a:endParaRPr lang="de-DE"/>
           </a:p>
@@ -2621,7 +2621,7 @@
           <a:p>
             <a:fld id="{FAD9A16E-BB74-41DB-AB4C-D3204D740776}" type="slidenum">
               <a:rPr lang="de-DE" smtClean="0"/>
-              <a:t>‹Nr.›</a:t>
+              <a:t>‹#›</a:t>
             </a:fld>
             <a:endParaRPr lang="de-DE"/>
           </a:p>
@@ -2948,6 +2948,42 @@
           <a:chExt cx="0" cy="0"/>
         </a:xfrm>
       </p:grpSpPr>
+      <p:cxnSp>
+        <p:nvCxnSpPr>
+          <p:cNvPr id="66" name="Straight Connector 34"/>
+          <p:cNvCxnSpPr>
+            <a:endCxn id="11" idx="3"/>
+          </p:cNvCxnSpPr>
+          <p:nvPr/>
+        </p:nvCxnSpPr>
+        <p:spPr>
+          <a:xfrm flipH="1" flipV="1">
+            <a:off x="5982284" y="3992146"/>
+            <a:ext cx="888057" cy="838207"/>
+          </a:xfrm>
+          <a:prstGeom prst="line">
+            <a:avLst/>
+          </a:prstGeom>
+          <a:ln w="57150">
+            <a:headEnd type="triangle" w="med" len="med"/>
+            <a:tailEnd type="none" w="med" len="med"/>
+          </a:ln>
+        </p:spPr>
+        <p:style>
+          <a:lnRef idx="1">
+            <a:schemeClr val="accent2"/>
+          </a:lnRef>
+          <a:fillRef idx="0">
+            <a:schemeClr val="accent2"/>
+          </a:fillRef>
+          <a:effectRef idx="0">
+            <a:schemeClr val="accent2"/>
+          </a:effectRef>
+          <a:fontRef idx="minor">
+            <a:schemeClr val="tx1"/>
+          </a:fontRef>
+        </p:style>
+      </p:cxnSp>
       <p:pic>
         <p:nvPicPr>
           <p:cNvPr id="1028" name="Picture 4" descr="http://www.androidheadlines.com/wp-content/uploads/2015/12/amazon-echo.jpg"/>
@@ -3011,7 +3047,7 @@
         </p:blipFill>
         <p:spPr>
           <a:xfrm>
-            <a:off x="6083672" y="4666820"/>
+            <a:off x="6964823" y="4833075"/>
             <a:ext cx="688611" cy="826334"/>
           </a:xfrm>
           <a:prstGeom prst="rect">
@@ -3094,8 +3130,8 @@
         </p:nvSpPr>
         <p:spPr>
           <a:xfrm>
-            <a:off x="3459569" y="3914330"/>
-            <a:ext cx="825006" cy="566633"/>
+            <a:off x="3459569" y="3914331"/>
+            <a:ext cx="825006" cy="335964"/>
           </a:xfrm>
           <a:prstGeom prst="rect">
             <a:avLst/>
@@ -3117,9 +3153,10 @@
           <a:p>
             <a:pPr algn="ctr"/>
             <a:r>
-              <a:rPr lang="en-US" sz="1000" b="1" dirty="0"/>
+              <a:rPr lang="en-US" sz="1000" b="1" dirty="0" smtClean="0"/>
               <a:t>Skill</a:t>
             </a:r>
+            <a:endParaRPr lang="en-US" sz="1000" b="1" dirty="0"/>
           </a:p>
         </p:txBody>
       </p:sp>
@@ -3131,7 +3168,7 @@
         </p:nvSpPr>
         <p:spPr>
           <a:xfrm>
-            <a:off x="6030326" y="5550903"/>
+            <a:off x="6904448" y="5731581"/>
             <a:ext cx="825006" cy="155632"/>
           </a:xfrm>
           <a:prstGeom prst="rect">
@@ -3498,10 +3535,6 @@
           <a:lstStyle/>
           <a:p>
             <a:pPr algn="ctr"/>
-            <a:r>
-              <a:rPr lang="en-US" dirty="0"/>
-              <a:t>9</a:t>
-            </a:r>
             <a:endParaRPr lang="de-DE" dirty="0"/>
           </a:p>
         </p:txBody>
@@ -3717,7 +3750,7 @@
             <a:pPr algn="ctr"/>
             <a:r>
               <a:rPr lang="en-US" dirty="0"/>
-              <a:t>6</a:t>
+              <a:t>7</a:t>
             </a:r>
             <a:endParaRPr lang="de-DE" dirty="0"/>
           </a:p>
@@ -3760,8 +3793,8 @@
           <a:p>
             <a:pPr algn="ctr"/>
             <a:r>
-              <a:rPr lang="en-US" dirty="0"/>
-              <a:t>8</a:t>
+              <a:rPr lang="en-US" dirty="0" smtClean="0"/>
+              <a:t>9</a:t>
             </a:r>
             <a:endParaRPr lang="de-DE" dirty="0"/>
           </a:p>
@@ -3995,7 +4028,7 @@
           <a:p>
             <a:pPr algn="ctr"/>
             <a:r>
-              <a:rPr lang="en-US" dirty="0"/>
+              <a:rPr lang="en-US" dirty="0" smtClean="0"/>
               <a:t>3</a:t>
             </a:r>
             <a:endParaRPr lang="de-DE" dirty="0"/>
@@ -4039,7 +4072,7 @@
           <a:p>
             <a:pPr algn="ctr"/>
             <a:r>
-              <a:rPr lang="en-US" dirty="0"/>
+              <a:rPr lang="en-US" dirty="0" smtClean="0"/>
               <a:t>4</a:t>
             </a:r>
             <a:endParaRPr lang="de-DE" dirty="0"/>
@@ -4048,19 +4081,21 @@
       </p:sp>
       <p:cxnSp>
         <p:nvCxnSpPr>
-          <p:cNvPr id="104" name="Straight Connector 34"/>
+          <p:cNvPr id="108" name="Straight Connector 34"/>
           <p:cNvCxnSpPr>
-            <a:endCxn id="6" idx="1"/>
+            <a:endCxn id="6" idx="0"/>
           </p:cNvCxnSpPr>
           <p:nvPr/>
         </p:nvCxnSpPr>
         <p:spPr>
           <a:xfrm rot="16200000" flipH="1">
-            <a:off x="5458234" y="4454548"/>
-            <a:ext cx="722807" cy="528069"/>
-          </a:xfrm>
-          <a:prstGeom prst="bentConnector2">
-            <a:avLst/>
+            <a:off x="7017738" y="4541684"/>
+            <a:ext cx="582780" cy="1"/>
+          </a:xfrm>
+          <a:prstGeom prst="bentConnector3">
+            <a:avLst>
+              <a:gd name="adj1" fmla="val 50000"/>
+            </a:avLst>
           </a:prstGeom>
           <a:ln w="57150">
             <a:headEnd type="triangle" w="med" len="med"/>
@@ -4082,42 +4117,6 @@
           </a:fontRef>
         </p:style>
       </p:cxnSp>
-      <p:cxnSp>
-        <p:nvCxnSpPr>
-          <p:cNvPr id="108" name="Straight Connector 34"/>
-          <p:cNvCxnSpPr>
-            <a:endCxn id="6" idx="3"/>
-          </p:cNvCxnSpPr>
-          <p:nvPr/>
-        </p:nvCxnSpPr>
-        <p:spPr>
-          <a:xfrm rot="5400000">
-            <a:off x="6674915" y="4454549"/>
-            <a:ext cx="722807" cy="528069"/>
-          </a:xfrm>
-          <a:prstGeom prst="bentConnector2">
-            <a:avLst/>
-          </a:prstGeom>
-          <a:ln w="57150">
-            <a:headEnd type="triangle" w="med" len="med"/>
-            <a:tailEnd type="triangle" w="med" len="med"/>
-          </a:ln>
-        </p:spPr>
-        <p:style>
-          <a:lnRef idx="1">
-            <a:schemeClr val="accent2"/>
-          </a:lnRef>
-          <a:fillRef idx="0">
-            <a:schemeClr val="accent2"/>
-          </a:fillRef>
-          <a:effectRef idx="0">
-            <a:schemeClr val="accent2"/>
-          </a:effectRef>
-          <a:fontRef idx="minor">
-            <a:schemeClr val="tx1"/>
-          </a:fontRef>
-        </p:style>
-      </p:cxnSp>
       <p:sp>
         <p:nvSpPr>
           <p:cNvPr id="115" name="Ellipse 114"/>
@@ -4126,7 +4125,7 @@
         </p:nvSpPr>
         <p:spPr>
           <a:xfrm>
-            <a:off x="5429839" y="4634470"/>
+            <a:off x="6275087" y="4250294"/>
             <a:ext cx="280463" cy="282804"/>
           </a:xfrm>
           <a:prstGeom prst="ellipse">
@@ -4155,8 +4154,8 @@
           <a:p>
             <a:pPr algn="ctr"/>
             <a:r>
-              <a:rPr lang="en-US" dirty="0"/>
-              <a:t>5</a:t>
+              <a:rPr lang="en-US" dirty="0" smtClean="0"/>
+              <a:t>6</a:t>
             </a:r>
             <a:endParaRPr lang="de-DE" dirty="0"/>
           </a:p>
@@ -4170,7 +4169,7 @@
         </p:nvSpPr>
         <p:spPr>
           <a:xfrm>
-            <a:off x="7136226" y="4661019"/>
+            <a:off x="7387017" y="4400283"/>
             <a:ext cx="280463" cy="282804"/>
           </a:xfrm>
           <a:prstGeom prst="ellipse">
@@ -4199,8 +4198,8 @@
           <a:p>
             <a:pPr algn="ctr"/>
             <a:r>
-              <a:rPr lang="en-US" dirty="0"/>
-              <a:t>7</a:t>
+              <a:rPr lang="en-US" dirty="0" smtClean="0"/>
+              <a:t>8</a:t>
             </a:r>
             <a:endParaRPr lang="de-DE" dirty="0"/>
           </a:p>
@@ -4215,6 +4214,192 @@
         <p:spPr>
           <a:xfrm>
             <a:off x="2821337" y="3355464"/>
+            <a:ext cx="704896" cy="369332"/>
+          </a:xfrm>
+          <a:prstGeom prst="rect">
+            <a:avLst/>
+          </a:prstGeom>
+          <a:noFill/>
+        </p:spPr>
+        <p:txBody>
+          <a:bodyPr wrap="square" rtlCol="0">
+            <a:spAutoFit/>
+          </a:bodyPr>
+          <a:lstStyle/>
+          <a:p>
+            <a:r>
+              <a:rPr lang="de-DE" dirty="0" smtClean="0">
+                <a:solidFill>
+                  <a:schemeClr val="bg1"/>
+                </a:solidFill>
+              </a:rPr>
+              <a:t>11</a:t>
+            </a:r>
+            <a:endParaRPr lang="de-DE" dirty="0">
+              <a:solidFill>
+                <a:schemeClr val="bg1"/>
+              </a:solidFill>
+            </a:endParaRPr>
+          </a:p>
+        </p:txBody>
+      </p:sp>
+      <p:pic>
+        <p:nvPicPr>
+          <p:cNvPr id="38" name="Picture 6"/>
+          <p:cNvPicPr>
+            <a:picLocks noChangeAspect="1"/>
+          </p:cNvPicPr>
+          <p:nvPr/>
+        </p:nvPicPr>
+        <p:blipFill>
+          <a:blip r:embed="rId9">
+            <a:extLst>
+              <a:ext uri="{28A0092B-C50C-407E-A947-70E740481C1C}">
+                <a14:useLocalDpi xmlns:a14="http://schemas.microsoft.com/office/drawing/2010/main" val="0"/>
+              </a:ext>
+            </a:extLst>
+          </a:blip>
+          <a:stretch>
+            <a:fillRect/>
+          </a:stretch>
+        </p:blipFill>
+        <p:spPr>
+          <a:xfrm>
+            <a:off x="5230036" y="4867513"/>
+            <a:ext cx="705774" cy="781780"/>
+          </a:xfrm>
+          <a:prstGeom prst="rect">
+            <a:avLst/>
+          </a:prstGeom>
+        </p:spPr>
+      </p:pic>
+      <p:sp>
+        <p:nvSpPr>
+          <p:cNvPr id="39" name="TextBox 504"/>
+          <p:cNvSpPr txBox="1"/>
+          <p:nvPr/>
+        </p:nvSpPr>
+        <p:spPr>
+          <a:xfrm>
+            <a:off x="5159980" y="5699520"/>
+            <a:ext cx="825006" cy="155632"/>
+          </a:xfrm>
+          <a:prstGeom prst="rect">
+            <a:avLst/>
+          </a:prstGeom>
+          <a:noFill/>
+        </p:spPr>
+        <p:txBody>
+          <a:bodyPr wrap="square" lIns="0" tIns="0" rIns="0" bIns="0" rtlCol="0" anchor="t">
+            <a:noAutofit/>
+          </a:bodyPr>
+          <a:lstStyle/>
+          <a:p>
+            <a:pPr algn="ctr"/>
+            <a:r>
+              <a:rPr lang="en-US" sz="1000" b="1" dirty="0"/>
+              <a:t>AWS</a:t>
+            </a:r>
+          </a:p>
+          <a:p>
+            <a:pPr algn="ctr"/>
+            <a:r>
+              <a:rPr lang="en-US" sz="1000" b="1" dirty="0" err="1"/>
+              <a:t>DynamoDB</a:t>
+            </a:r>
+            <a:endParaRPr lang="en-US" sz="1000" b="1" dirty="0"/>
+          </a:p>
+        </p:txBody>
+      </p:sp>
+      <p:cxnSp>
+        <p:nvCxnSpPr>
+          <p:cNvPr id="49" name="Straight Connector 34"/>
+          <p:cNvCxnSpPr/>
+          <p:nvPr/>
+        </p:nvCxnSpPr>
+        <p:spPr>
+          <a:xfrm rot="16200000" flipH="1">
+            <a:off x="5286068" y="4542076"/>
+            <a:ext cx="582780" cy="1"/>
+          </a:xfrm>
+          <a:prstGeom prst="bentConnector3">
+            <a:avLst>
+              <a:gd name="adj1" fmla="val 50000"/>
+            </a:avLst>
+          </a:prstGeom>
+          <a:ln w="57150">
+            <a:headEnd type="triangle" w="med" len="med"/>
+            <a:tailEnd type="triangle" w="med" len="med"/>
+          </a:ln>
+        </p:spPr>
+        <p:style>
+          <a:lnRef idx="1">
+            <a:schemeClr val="accent2"/>
+          </a:lnRef>
+          <a:fillRef idx="0">
+            <a:schemeClr val="accent2"/>
+          </a:fillRef>
+          <a:effectRef idx="0">
+            <a:schemeClr val="accent2"/>
+          </a:effectRef>
+          <a:fontRef idx="minor">
+            <a:schemeClr val="tx1"/>
+          </a:fontRef>
+        </p:style>
+      </p:cxnSp>
+      <p:sp>
+        <p:nvSpPr>
+          <p:cNvPr id="50" name="Ellipse 115"/>
+          <p:cNvSpPr/>
+          <p:nvPr/>
+        </p:nvSpPr>
+        <p:spPr>
+          <a:xfrm>
+            <a:off x="5655347" y="4400675"/>
+            <a:ext cx="280463" cy="282804"/>
+          </a:xfrm>
+          <a:prstGeom prst="ellipse">
+            <a:avLst/>
+          </a:prstGeom>
+        </p:spPr>
+        <p:style>
+          <a:lnRef idx="2">
+            <a:schemeClr val="accent2">
+              <a:shade val="50000"/>
+            </a:schemeClr>
+          </a:lnRef>
+          <a:fillRef idx="1">
+            <a:schemeClr val="accent2"/>
+          </a:fillRef>
+          <a:effectRef idx="0">
+            <a:schemeClr val="accent2"/>
+          </a:effectRef>
+          <a:fontRef idx="minor">
+            <a:schemeClr val="lt1"/>
+          </a:fontRef>
+        </p:style>
+        <p:txBody>
+          <a:bodyPr rtlCol="0" anchor="ctr"/>
+          <a:lstStyle/>
+          <a:p>
+            <a:pPr algn="ctr"/>
+            <a:r>
+              <a:rPr lang="en-US" dirty="0" smtClean="0"/>
+              <a:t>5</a:t>
+            </a:r>
+            <a:endParaRPr lang="de-DE" dirty="0"/>
+          </a:p>
+        </p:txBody>
+      </p:sp>
+      <p:sp>
+        <p:nvSpPr>
+          <p:cNvPr id="51" name="Textfeld 1036"/>
+          <p:cNvSpPr txBox="1"/>
+          <p:nvPr/>
+        </p:nvSpPr>
+        <p:spPr>
+          <a:xfrm>
+            <a:off x="4610483" y="3356888"/>
             <a:ext cx="704896" cy="369332"/>
           </a:xfrm>
           <a:prstGeom prst="rect">
@@ -4236,6 +4421,144 @@
               </a:rPr>
               <a:t>10</a:t>
             </a:r>
+          </a:p>
+        </p:txBody>
+      </p:sp>
+      <p:pic>
+        <p:nvPicPr>
+          <p:cNvPr id="54" name="Grafik 25"/>
+          <p:cNvPicPr>
+            <a:picLocks noChangeAspect="1"/>
+          </p:cNvPicPr>
+          <p:nvPr/>
+        </p:nvPicPr>
+        <p:blipFill>
+          <a:blip r:embed="rId10"/>
+          <a:stretch>
+            <a:fillRect/>
+          </a:stretch>
+        </p:blipFill>
+        <p:spPr>
+          <a:xfrm>
+            <a:off x="1812126" y="4542457"/>
+            <a:ext cx="650096" cy="1312695"/>
+          </a:xfrm>
+          <a:prstGeom prst="rect">
+            <a:avLst/>
+          </a:prstGeom>
+        </p:spPr>
+      </p:pic>
+      <p:cxnSp>
+        <p:nvCxnSpPr>
+          <p:cNvPr id="59" name="Straight Connector 34"/>
+          <p:cNvCxnSpPr>
+            <a:stCxn id="12" idx="2"/>
+          </p:cNvCxnSpPr>
+          <p:nvPr/>
+        </p:nvCxnSpPr>
+        <p:spPr>
+          <a:xfrm rot="5400000">
+            <a:off x="2731495" y="4105666"/>
+            <a:ext cx="995949" cy="1285206"/>
+          </a:xfrm>
+          <a:prstGeom prst="bentConnector2">
+            <a:avLst/>
+          </a:prstGeom>
+          <a:ln w="57150">
+            <a:headEnd type="none" w="med" len="med"/>
+            <a:tailEnd type="triangle" w="med" len="med"/>
+          </a:ln>
+        </p:spPr>
+        <p:style>
+          <a:lnRef idx="1">
+            <a:schemeClr val="accent2"/>
+          </a:lnRef>
+          <a:fillRef idx="0">
+            <a:schemeClr val="accent2"/>
+          </a:fillRef>
+          <a:effectRef idx="0">
+            <a:schemeClr val="accent2"/>
+          </a:effectRef>
+          <a:fontRef idx="minor">
+            <a:schemeClr val="tx1"/>
+          </a:fontRef>
+        </p:style>
+      </p:cxnSp>
+      <p:sp>
+        <p:nvSpPr>
+          <p:cNvPr id="62" name="Ellipse 52"/>
+          <p:cNvSpPr/>
+          <p:nvPr/>
+        </p:nvSpPr>
+        <p:spPr>
+          <a:xfrm>
+            <a:off x="2893322" y="5107305"/>
+            <a:ext cx="280463" cy="282804"/>
+          </a:xfrm>
+          <a:prstGeom prst="ellipse">
+            <a:avLst/>
+          </a:prstGeom>
+        </p:spPr>
+        <p:style>
+          <a:lnRef idx="2">
+            <a:schemeClr val="accent2">
+              <a:shade val="50000"/>
+            </a:schemeClr>
+          </a:lnRef>
+          <a:fillRef idx="1">
+            <a:schemeClr val="accent2"/>
+          </a:fillRef>
+          <a:effectRef idx="0">
+            <a:schemeClr val="accent2"/>
+          </a:effectRef>
+          <a:fontRef idx="minor">
+            <a:schemeClr val="lt1"/>
+          </a:fontRef>
+        </p:style>
+        <p:txBody>
+          <a:bodyPr rtlCol="0" anchor="ctr"/>
+          <a:lstStyle/>
+          <a:p>
+            <a:pPr algn="ctr"/>
+            <a:endParaRPr lang="de-DE" dirty="0"/>
+          </a:p>
+        </p:txBody>
+      </p:sp>
+      <p:sp>
+        <p:nvSpPr>
+          <p:cNvPr id="63" name="Textfeld 1036"/>
+          <p:cNvSpPr txBox="1"/>
+          <p:nvPr/>
+        </p:nvSpPr>
+        <p:spPr>
+          <a:xfrm>
+            <a:off x="2827456" y="5072089"/>
+            <a:ext cx="704896" cy="369332"/>
+          </a:xfrm>
+          <a:prstGeom prst="rect">
+            <a:avLst/>
+          </a:prstGeom>
+          <a:noFill/>
+        </p:spPr>
+        <p:txBody>
+          <a:bodyPr wrap="square" rtlCol="0">
+            <a:spAutoFit/>
+          </a:bodyPr>
+          <a:lstStyle/>
+          <a:p>
+            <a:r>
+              <a:rPr lang="de-DE" dirty="0" smtClean="0">
+                <a:solidFill>
+                  <a:schemeClr val="bg1"/>
+                </a:solidFill>
+              </a:rPr>
+              <a:t>11</a:t>
+            </a:r>
+            <a:endParaRPr lang="de-DE" dirty="0">
+              <a:solidFill>
+                <a:schemeClr val="bg1"/>
+              </a:solidFill>
+            </a:endParaRPr>
           </a:p>
         </p:txBody>
       </p:sp>

--- a/docs/solution-architecture.pptx
+++ b/docs/solution-architecture.pptx
@@ -241,7 +241,7 @@
           <a:p>
             <a:fld id="{BBDCF4EB-1403-41AA-A68E-9DA0E684C70F}" type="datetimeFigureOut">
               <a:rPr lang="de-DE" smtClean="0"/>
-              <a:t>09.12.16</a:t>
+              <a:t>12.12.2016</a:t>
             </a:fld>
             <a:endParaRPr lang="de-DE"/>
           </a:p>
@@ -283,7 +283,7 @@
           <a:p>
             <a:fld id="{FAD9A16E-BB74-41DB-AB4C-D3204D740776}" type="slidenum">
               <a:rPr lang="de-DE" smtClean="0"/>
-              <a:t>‹#›</a:t>
+              <a:t>‹Nr.›</a:t>
             </a:fld>
             <a:endParaRPr lang="de-DE"/>
           </a:p>
@@ -409,7 +409,7 @@
           <a:p>
             <a:fld id="{BBDCF4EB-1403-41AA-A68E-9DA0E684C70F}" type="datetimeFigureOut">
               <a:rPr lang="de-DE" smtClean="0"/>
-              <a:t>09.12.16</a:t>
+              <a:t>12.12.2016</a:t>
             </a:fld>
             <a:endParaRPr lang="de-DE"/>
           </a:p>
@@ -451,7 +451,7 @@
           <a:p>
             <a:fld id="{FAD9A16E-BB74-41DB-AB4C-D3204D740776}" type="slidenum">
               <a:rPr lang="de-DE" smtClean="0"/>
-              <a:t>‹#›</a:t>
+              <a:t>‹Nr.›</a:t>
             </a:fld>
             <a:endParaRPr lang="de-DE"/>
           </a:p>
@@ -587,7 +587,7 @@
           <a:p>
             <a:fld id="{BBDCF4EB-1403-41AA-A68E-9DA0E684C70F}" type="datetimeFigureOut">
               <a:rPr lang="de-DE" smtClean="0"/>
-              <a:t>09.12.16</a:t>
+              <a:t>12.12.2016</a:t>
             </a:fld>
             <a:endParaRPr lang="de-DE"/>
           </a:p>
@@ -629,7 +629,7 @@
           <a:p>
             <a:fld id="{FAD9A16E-BB74-41DB-AB4C-D3204D740776}" type="slidenum">
               <a:rPr lang="de-DE" smtClean="0"/>
-              <a:t>‹#›</a:t>
+              <a:t>‹Nr.›</a:t>
             </a:fld>
             <a:endParaRPr lang="de-DE"/>
           </a:p>
@@ -755,7 +755,7 @@
           <a:p>
             <a:fld id="{BBDCF4EB-1403-41AA-A68E-9DA0E684C70F}" type="datetimeFigureOut">
               <a:rPr lang="de-DE" smtClean="0"/>
-              <a:t>09.12.16</a:t>
+              <a:t>12.12.2016</a:t>
             </a:fld>
             <a:endParaRPr lang="de-DE"/>
           </a:p>
@@ -797,7 +797,7 @@
           <a:p>
             <a:fld id="{FAD9A16E-BB74-41DB-AB4C-D3204D740776}" type="slidenum">
               <a:rPr lang="de-DE" smtClean="0"/>
-              <a:t>‹#›</a:t>
+              <a:t>‹Nr.›</a:t>
             </a:fld>
             <a:endParaRPr lang="de-DE"/>
           </a:p>
@@ -1000,7 +1000,7 @@
           <a:p>
             <a:fld id="{BBDCF4EB-1403-41AA-A68E-9DA0E684C70F}" type="datetimeFigureOut">
               <a:rPr lang="de-DE" smtClean="0"/>
-              <a:t>09.12.16</a:t>
+              <a:t>12.12.2016</a:t>
             </a:fld>
             <a:endParaRPr lang="de-DE"/>
           </a:p>
@@ -1042,7 +1042,7 @@
           <a:p>
             <a:fld id="{FAD9A16E-BB74-41DB-AB4C-D3204D740776}" type="slidenum">
               <a:rPr lang="de-DE" smtClean="0"/>
-              <a:t>‹#›</a:t>
+              <a:t>‹Nr.›</a:t>
             </a:fld>
             <a:endParaRPr lang="de-DE"/>
           </a:p>
@@ -1229,7 +1229,7 @@
           <a:p>
             <a:fld id="{BBDCF4EB-1403-41AA-A68E-9DA0E684C70F}" type="datetimeFigureOut">
               <a:rPr lang="de-DE" smtClean="0"/>
-              <a:t>09.12.16</a:t>
+              <a:t>12.12.2016</a:t>
             </a:fld>
             <a:endParaRPr lang="de-DE"/>
           </a:p>
@@ -1271,7 +1271,7 @@
           <a:p>
             <a:fld id="{FAD9A16E-BB74-41DB-AB4C-D3204D740776}" type="slidenum">
               <a:rPr lang="de-DE" smtClean="0"/>
-              <a:t>‹#›</a:t>
+              <a:t>‹Nr.›</a:t>
             </a:fld>
             <a:endParaRPr lang="de-DE"/>
           </a:p>
@@ -1593,7 +1593,7 @@
           <a:p>
             <a:fld id="{BBDCF4EB-1403-41AA-A68E-9DA0E684C70F}" type="datetimeFigureOut">
               <a:rPr lang="de-DE" smtClean="0"/>
-              <a:t>09.12.16</a:t>
+              <a:t>12.12.2016</a:t>
             </a:fld>
             <a:endParaRPr lang="de-DE"/>
           </a:p>
@@ -1635,7 +1635,7 @@
           <a:p>
             <a:fld id="{FAD9A16E-BB74-41DB-AB4C-D3204D740776}" type="slidenum">
               <a:rPr lang="de-DE" smtClean="0"/>
-              <a:t>‹#›</a:t>
+              <a:t>‹Nr.›</a:t>
             </a:fld>
             <a:endParaRPr lang="de-DE"/>
           </a:p>
@@ -1710,7 +1710,7 @@
           <a:p>
             <a:fld id="{BBDCF4EB-1403-41AA-A68E-9DA0E684C70F}" type="datetimeFigureOut">
               <a:rPr lang="de-DE" smtClean="0"/>
-              <a:t>09.12.16</a:t>
+              <a:t>12.12.2016</a:t>
             </a:fld>
             <a:endParaRPr lang="de-DE"/>
           </a:p>
@@ -1752,7 +1752,7 @@
           <a:p>
             <a:fld id="{FAD9A16E-BB74-41DB-AB4C-D3204D740776}" type="slidenum">
               <a:rPr lang="de-DE" smtClean="0"/>
-              <a:t>‹#›</a:t>
+              <a:t>‹Nr.›</a:t>
             </a:fld>
             <a:endParaRPr lang="de-DE"/>
           </a:p>
@@ -1805,7 +1805,7 @@
           <a:p>
             <a:fld id="{BBDCF4EB-1403-41AA-A68E-9DA0E684C70F}" type="datetimeFigureOut">
               <a:rPr lang="de-DE" smtClean="0"/>
-              <a:t>09.12.16</a:t>
+              <a:t>12.12.2016</a:t>
             </a:fld>
             <a:endParaRPr lang="de-DE"/>
           </a:p>
@@ -1847,7 +1847,7 @@
           <a:p>
             <a:fld id="{FAD9A16E-BB74-41DB-AB4C-D3204D740776}" type="slidenum">
               <a:rPr lang="de-DE" smtClean="0"/>
-              <a:t>‹#›</a:t>
+              <a:t>‹Nr.›</a:t>
             </a:fld>
             <a:endParaRPr lang="de-DE"/>
           </a:p>
@@ -2080,7 +2080,7 @@
           <a:p>
             <a:fld id="{BBDCF4EB-1403-41AA-A68E-9DA0E684C70F}" type="datetimeFigureOut">
               <a:rPr lang="de-DE" smtClean="0"/>
-              <a:t>09.12.16</a:t>
+              <a:t>12.12.2016</a:t>
             </a:fld>
             <a:endParaRPr lang="de-DE"/>
           </a:p>
@@ -2122,7 +2122,7 @@
           <a:p>
             <a:fld id="{FAD9A16E-BB74-41DB-AB4C-D3204D740776}" type="slidenum">
               <a:rPr lang="de-DE" smtClean="0"/>
-              <a:t>‹#›</a:t>
+              <a:t>‹Nr.›</a:t>
             </a:fld>
             <a:endParaRPr lang="de-DE"/>
           </a:p>
@@ -2332,7 +2332,7 @@
           <a:p>
             <a:fld id="{BBDCF4EB-1403-41AA-A68E-9DA0E684C70F}" type="datetimeFigureOut">
               <a:rPr lang="de-DE" smtClean="0"/>
-              <a:t>09.12.16</a:t>
+              <a:t>12.12.2016</a:t>
             </a:fld>
             <a:endParaRPr lang="de-DE"/>
           </a:p>
@@ -2374,7 +2374,7 @@
           <a:p>
             <a:fld id="{FAD9A16E-BB74-41DB-AB4C-D3204D740776}" type="slidenum">
               <a:rPr lang="de-DE" smtClean="0"/>
-              <a:t>‹#›</a:t>
+              <a:t>‹Nr.›</a:t>
             </a:fld>
             <a:endParaRPr lang="de-DE"/>
           </a:p>
@@ -2543,7 +2543,7 @@
           <a:p>
             <a:fld id="{BBDCF4EB-1403-41AA-A68E-9DA0E684C70F}" type="datetimeFigureOut">
               <a:rPr lang="de-DE" smtClean="0"/>
-              <a:t>09.12.16</a:t>
+              <a:t>12.12.2016</a:t>
             </a:fld>
             <a:endParaRPr lang="de-DE"/>
           </a:p>
@@ -2621,7 +2621,7 @@
           <a:p>
             <a:fld id="{FAD9A16E-BB74-41DB-AB4C-D3204D740776}" type="slidenum">
               <a:rPr lang="de-DE" smtClean="0"/>
-              <a:t>‹#›</a:t>
+              <a:t>‹Nr.›</a:t>
             </a:fld>
             <a:endParaRPr lang="de-DE"/>
           </a:p>
@@ -3153,10 +3153,9 @@
           <a:p>
             <a:pPr algn="ctr"/>
             <a:r>
-              <a:rPr lang="en-US" sz="1000" b="1" dirty="0" smtClean="0"/>
+              <a:rPr lang="en-US" sz="1000" b="1" dirty="0"/>
               <a:t>Skill</a:t>
             </a:r>
-            <a:endParaRPr lang="en-US" sz="1000" b="1" dirty="0"/>
           </a:p>
         </p:txBody>
       </p:sp>
@@ -3358,7 +3357,7 @@
         </p:nvSpPr>
         <p:spPr>
           <a:xfrm>
-            <a:off x="6143047" y="2049880"/>
+            <a:off x="6143047" y="2028108"/>
             <a:ext cx="825006" cy="155632"/>
           </a:xfrm>
           <a:prstGeom prst="rect">
@@ -3581,47 +3580,6 @@
       </p:sp>
       <p:pic>
         <p:nvPicPr>
-          <p:cNvPr id="2" name="Picture 2" descr="http://3.imimg.com/data3/JJ/ES/MY-12444595/google-translate-api-250x250.jpg"/>
-          <p:cNvPicPr>
-            <a:picLocks noChangeAspect="1" noChangeArrowheads="1"/>
-          </p:cNvPicPr>
-          <p:nvPr/>
-        </p:nvPicPr>
-        <p:blipFill>
-          <a:blip r:embed="rId6">
-            <a:extLst>
-              <a:ext uri="{28A0092B-C50C-407E-A947-70E740481C1C}">
-                <a14:useLocalDpi xmlns:a14="http://schemas.microsoft.com/office/drawing/2010/main" val="0"/>
-              </a:ext>
-            </a:extLst>
-          </a:blip>
-          <a:srcRect/>
-          <a:stretch>
-            <a:fillRect/>
-          </a:stretch>
-        </p:blipFill>
-        <p:spPr bwMode="auto">
-          <a:xfrm>
-            <a:off x="4309956" y="1285707"/>
-            <a:ext cx="706739" cy="706739"/>
-          </a:xfrm>
-          <a:prstGeom prst="rect">
-            <a:avLst/>
-          </a:prstGeom>
-          <a:noFill/>
-          <a:extLst>
-            <a:ext uri="{909E8E84-426E-40DD-AFC4-6F175D3DCCD1}">
-              <a14:hiddenFill xmlns:a14="http://schemas.microsoft.com/office/drawing/2010/main">
-                <a:solidFill>
-                  <a:srgbClr val="FFFFFF"/>
-                </a:solidFill>
-              </a14:hiddenFill>
-            </a:ext>
-          </a:extLst>
-        </p:spPr>
-      </p:pic>
-      <p:pic>
-        <p:nvPicPr>
           <p:cNvPr id="4" name="Grafik 3"/>
           <p:cNvPicPr>
             <a:picLocks noChangeAspect="1"/>
@@ -3629,7 +3587,7 @@
           <p:nvPr/>
         </p:nvPicPr>
         <p:blipFill>
-          <a:blip r:embed="rId7"/>
+          <a:blip r:embed="rId6"/>
           <a:stretch>
             <a:fillRect/>
           </a:stretch>
@@ -3793,7 +3751,7 @@
           <a:p>
             <a:pPr algn="ctr"/>
             <a:r>
-              <a:rPr lang="en-US" dirty="0" smtClean="0"/>
+              <a:rPr lang="en-US" dirty="0"/>
               <a:t>9</a:t>
             </a:r>
             <a:endParaRPr lang="de-DE" dirty="0"/>
@@ -3803,6 +3761,451 @@
       <p:pic>
         <p:nvPicPr>
           <p:cNvPr id="78" name="Picture 7"/>
+          <p:cNvPicPr>
+            <a:picLocks noChangeAspect="1"/>
+          </p:cNvPicPr>
+          <p:nvPr/>
+        </p:nvPicPr>
+        <p:blipFill>
+          <a:blip r:embed="rId7">
+            <a:extLst>
+              <a:ext uri="{28A0092B-C50C-407E-A947-70E740481C1C}">
+                <a14:useLocalDpi xmlns:a14="http://schemas.microsoft.com/office/drawing/2010/main" val="0"/>
+              </a:ext>
+            </a:extLst>
+          </a:blip>
+          <a:stretch>
+            <a:fillRect/>
+          </a:stretch>
+        </p:blipFill>
+        <p:spPr>
+          <a:xfrm>
+            <a:off x="6980235" y="2979404"/>
+            <a:ext cx="687245" cy="824695"/>
+          </a:xfrm>
+          <a:prstGeom prst="rect">
+            <a:avLst/>
+          </a:prstGeom>
+        </p:spPr>
+      </p:pic>
+      <p:sp>
+        <p:nvSpPr>
+          <p:cNvPr id="84" name="TextBox 504"/>
+          <p:cNvSpPr txBox="1"/>
+          <p:nvPr/>
+        </p:nvSpPr>
+        <p:spPr>
+          <a:xfrm>
+            <a:off x="6904448" y="3955276"/>
+            <a:ext cx="825006" cy="155632"/>
+          </a:xfrm>
+          <a:prstGeom prst="rect">
+            <a:avLst/>
+          </a:prstGeom>
+          <a:noFill/>
+        </p:spPr>
+        <p:txBody>
+          <a:bodyPr wrap="square" lIns="0" tIns="0" rIns="0" bIns="0" rtlCol="0" anchor="t">
+            <a:noAutofit/>
+          </a:bodyPr>
+          <a:lstStyle/>
+          <a:p>
+            <a:pPr algn="ctr"/>
+            <a:r>
+              <a:rPr lang="en-US" sz="1000" b="1" dirty="0"/>
+              <a:t>AWS</a:t>
+            </a:r>
+          </a:p>
+          <a:p>
+            <a:pPr algn="ctr"/>
+            <a:r>
+              <a:rPr lang="en-US" sz="1000" b="1" dirty="0"/>
+              <a:t>EC2</a:t>
+            </a:r>
+          </a:p>
+        </p:txBody>
+      </p:sp>
+      <p:sp>
+        <p:nvSpPr>
+          <p:cNvPr id="87" name="TextBox 504"/>
+          <p:cNvSpPr txBox="1"/>
+          <p:nvPr/>
+        </p:nvSpPr>
+        <p:spPr>
+          <a:xfrm>
+            <a:off x="4247498" y="1980865"/>
+            <a:ext cx="825006" cy="155632"/>
+          </a:xfrm>
+          <a:prstGeom prst="rect">
+            <a:avLst/>
+          </a:prstGeom>
+          <a:noFill/>
+        </p:spPr>
+        <p:txBody>
+          <a:bodyPr wrap="square" lIns="0" tIns="0" rIns="0" bIns="0" rtlCol="0" anchor="t">
+            <a:noAutofit/>
+          </a:bodyPr>
+          <a:lstStyle/>
+          <a:p>
+            <a:pPr algn="ctr"/>
+            <a:r>
+              <a:rPr lang="en-US" sz="1000" b="1" dirty="0"/>
+              <a:t>Microsoft</a:t>
+            </a:r>
+          </a:p>
+          <a:p>
+            <a:pPr algn="ctr"/>
+            <a:r>
+              <a:rPr lang="en-US" sz="1000" b="1" dirty="0"/>
+              <a:t>Translator API</a:t>
+            </a:r>
+          </a:p>
+        </p:txBody>
+      </p:sp>
+      <p:cxnSp>
+        <p:nvCxnSpPr>
+          <p:cNvPr id="88" name="Straight Connector 34"/>
+          <p:cNvCxnSpPr/>
+          <p:nvPr/>
+        </p:nvCxnSpPr>
+        <p:spPr>
+          <a:xfrm>
+            <a:off x="5044976" y="1639077"/>
+            <a:ext cx="394290" cy="1277788"/>
+          </a:xfrm>
+          <a:prstGeom prst="bentConnector2">
+            <a:avLst/>
+          </a:prstGeom>
+          <a:ln w="57150">
+            <a:headEnd type="triangle" w="med" len="med"/>
+            <a:tailEnd type="triangle" w="med" len="med"/>
+          </a:ln>
+        </p:spPr>
+        <p:style>
+          <a:lnRef idx="1">
+            <a:schemeClr val="accent2"/>
+          </a:lnRef>
+          <a:fillRef idx="0">
+            <a:schemeClr val="accent2"/>
+          </a:fillRef>
+          <a:effectRef idx="0">
+            <a:schemeClr val="accent2"/>
+          </a:effectRef>
+          <a:fontRef idx="minor">
+            <a:schemeClr val="tx1"/>
+          </a:fontRef>
+        </p:style>
+      </p:cxnSp>
+      <p:pic>
+        <p:nvPicPr>
+          <p:cNvPr id="100" name="Grafik 99"/>
+          <p:cNvPicPr>
+            <a:picLocks noChangeAspect="1"/>
+          </p:cNvPicPr>
+          <p:nvPr/>
+        </p:nvPicPr>
+        <p:blipFill>
+          <a:blip r:embed="rId6"/>
+          <a:stretch>
+            <a:fillRect/>
+          </a:stretch>
+        </p:blipFill>
+        <p:spPr>
+          <a:xfrm>
+            <a:off x="6177327" y="1248730"/>
+            <a:ext cx="790726" cy="790726"/>
+          </a:xfrm>
+          <a:prstGeom prst="rect">
+            <a:avLst/>
+          </a:prstGeom>
+        </p:spPr>
+      </p:pic>
+      <p:cxnSp>
+        <p:nvCxnSpPr>
+          <p:cNvPr id="101" name="Straight Connector 34"/>
+          <p:cNvCxnSpPr>
+            <a:stCxn id="100" idx="1"/>
+          </p:cNvCxnSpPr>
+          <p:nvPr/>
+        </p:nvCxnSpPr>
+        <p:spPr>
+          <a:xfrm rot="10800000" flipV="1">
+            <a:off x="5751603" y="1644093"/>
+            <a:ext cx="425724" cy="1264204"/>
+          </a:xfrm>
+          <a:prstGeom prst="bentConnector2">
+            <a:avLst/>
+          </a:prstGeom>
+          <a:ln w="57150">
+            <a:headEnd type="triangle" w="med" len="med"/>
+            <a:tailEnd type="triangle" w="med" len="med"/>
+          </a:ln>
+        </p:spPr>
+        <p:style>
+          <a:lnRef idx="1">
+            <a:schemeClr val="accent2"/>
+          </a:lnRef>
+          <a:fillRef idx="0">
+            <a:schemeClr val="accent2"/>
+          </a:fillRef>
+          <a:effectRef idx="0">
+            <a:schemeClr val="accent2"/>
+          </a:effectRef>
+          <a:fontRef idx="minor">
+            <a:schemeClr val="tx1"/>
+          </a:fontRef>
+        </p:style>
+      </p:cxnSp>
+      <p:sp>
+        <p:nvSpPr>
+          <p:cNvPr id="102" name="Ellipse 101"/>
+          <p:cNvSpPr/>
+          <p:nvPr/>
+        </p:nvSpPr>
+        <p:spPr>
+          <a:xfrm>
+            <a:off x="5275140" y="1995095"/>
+            <a:ext cx="280463" cy="282804"/>
+          </a:xfrm>
+          <a:prstGeom prst="ellipse">
+            <a:avLst/>
+          </a:prstGeom>
+        </p:spPr>
+        <p:style>
+          <a:lnRef idx="2">
+            <a:schemeClr val="accent2">
+              <a:shade val="50000"/>
+            </a:schemeClr>
+          </a:lnRef>
+          <a:fillRef idx="1">
+            <a:schemeClr val="accent2"/>
+          </a:fillRef>
+          <a:effectRef idx="0">
+            <a:schemeClr val="accent2"/>
+          </a:effectRef>
+          <a:fontRef idx="minor">
+            <a:schemeClr val="lt1"/>
+          </a:fontRef>
+        </p:style>
+        <p:txBody>
+          <a:bodyPr rtlCol="0" anchor="ctr"/>
+          <a:lstStyle/>
+          <a:p>
+            <a:pPr algn="ctr"/>
+            <a:r>
+              <a:rPr lang="en-US" dirty="0"/>
+              <a:t>3</a:t>
+            </a:r>
+            <a:endParaRPr lang="de-DE" dirty="0"/>
+          </a:p>
+        </p:txBody>
+      </p:sp>
+      <p:sp>
+        <p:nvSpPr>
+          <p:cNvPr id="103" name="Ellipse 102"/>
+          <p:cNvSpPr/>
+          <p:nvPr/>
+        </p:nvSpPr>
+        <p:spPr>
+          <a:xfrm>
+            <a:off x="5611371" y="1995095"/>
+            <a:ext cx="280463" cy="282804"/>
+          </a:xfrm>
+          <a:prstGeom prst="ellipse">
+            <a:avLst/>
+          </a:prstGeom>
+        </p:spPr>
+        <p:style>
+          <a:lnRef idx="2">
+            <a:schemeClr val="accent2">
+              <a:shade val="50000"/>
+            </a:schemeClr>
+          </a:lnRef>
+          <a:fillRef idx="1">
+            <a:schemeClr val="accent2"/>
+          </a:fillRef>
+          <a:effectRef idx="0">
+            <a:schemeClr val="accent2"/>
+          </a:effectRef>
+          <a:fontRef idx="minor">
+            <a:schemeClr val="lt1"/>
+          </a:fontRef>
+        </p:style>
+        <p:txBody>
+          <a:bodyPr rtlCol="0" anchor="ctr"/>
+          <a:lstStyle/>
+          <a:p>
+            <a:pPr algn="ctr"/>
+            <a:r>
+              <a:rPr lang="en-US" dirty="0"/>
+              <a:t>4</a:t>
+            </a:r>
+            <a:endParaRPr lang="de-DE" dirty="0"/>
+          </a:p>
+        </p:txBody>
+      </p:sp>
+      <p:cxnSp>
+        <p:nvCxnSpPr>
+          <p:cNvPr id="108" name="Straight Connector 34"/>
+          <p:cNvCxnSpPr>
+            <a:endCxn id="6" idx="0"/>
+          </p:cNvCxnSpPr>
+          <p:nvPr/>
+        </p:nvCxnSpPr>
+        <p:spPr>
+          <a:xfrm rot="16200000" flipH="1">
+            <a:off x="7017738" y="4541684"/>
+            <a:ext cx="582780" cy="1"/>
+          </a:xfrm>
+          <a:prstGeom prst="bentConnector3">
+            <a:avLst>
+              <a:gd name="adj1" fmla="val 50000"/>
+            </a:avLst>
+          </a:prstGeom>
+          <a:ln w="57150">
+            <a:headEnd type="triangle" w="med" len="med"/>
+            <a:tailEnd type="triangle" w="med" len="med"/>
+          </a:ln>
+        </p:spPr>
+        <p:style>
+          <a:lnRef idx="1">
+            <a:schemeClr val="accent2"/>
+          </a:lnRef>
+          <a:fillRef idx="0">
+            <a:schemeClr val="accent2"/>
+          </a:fillRef>
+          <a:effectRef idx="0">
+            <a:schemeClr val="accent2"/>
+          </a:effectRef>
+          <a:fontRef idx="minor">
+            <a:schemeClr val="tx1"/>
+          </a:fontRef>
+        </p:style>
+      </p:cxnSp>
+      <p:sp>
+        <p:nvSpPr>
+          <p:cNvPr id="115" name="Ellipse 114"/>
+          <p:cNvSpPr/>
+          <p:nvPr/>
+        </p:nvSpPr>
+        <p:spPr>
+          <a:xfrm>
+            <a:off x="6275087" y="4250294"/>
+            <a:ext cx="280463" cy="282804"/>
+          </a:xfrm>
+          <a:prstGeom prst="ellipse">
+            <a:avLst/>
+          </a:prstGeom>
+        </p:spPr>
+        <p:style>
+          <a:lnRef idx="2">
+            <a:schemeClr val="accent2">
+              <a:shade val="50000"/>
+            </a:schemeClr>
+          </a:lnRef>
+          <a:fillRef idx="1">
+            <a:schemeClr val="accent2"/>
+          </a:fillRef>
+          <a:effectRef idx="0">
+            <a:schemeClr val="accent2"/>
+          </a:effectRef>
+          <a:fontRef idx="minor">
+            <a:schemeClr val="lt1"/>
+          </a:fontRef>
+        </p:style>
+        <p:txBody>
+          <a:bodyPr rtlCol="0" anchor="ctr"/>
+          <a:lstStyle/>
+          <a:p>
+            <a:pPr algn="ctr"/>
+            <a:r>
+              <a:rPr lang="en-US" dirty="0"/>
+              <a:t>6</a:t>
+            </a:r>
+            <a:endParaRPr lang="de-DE" dirty="0"/>
+          </a:p>
+        </p:txBody>
+      </p:sp>
+      <p:sp>
+        <p:nvSpPr>
+          <p:cNvPr id="116" name="Ellipse 115"/>
+          <p:cNvSpPr/>
+          <p:nvPr/>
+        </p:nvSpPr>
+        <p:spPr>
+          <a:xfrm>
+            <a:off x="7387017" y="4400283"/>
+            <a:ext cx="280463" cy="282804"/>
+          </a:xfrm>
+          <a:prstGeom prst="ellipse">
+            <a:avLst/>
+          </a:prstGeom>
+        </p:spPr>
+        <p:style>
+          <a:lnRef idx="2">
+            <a:schemeClr val="accent2">
+              <a:shade val="50000"/>
+            </a:schemeClr>
+          </a:lnRef>
+          <a:fillRef idx="1">
+            <a:schemeClr val="accent2"/>
+          </a:fillRef>
+          <a:effectRef idx="0">
+            <a:schemeClr val="accent2"/>
+          </a:effectRef>
+          <a:fontRef idx="minor">
+            <a:schemeClr val="lt1"/>
+          </a:fontRef>
+        </p:style>
+        <p:txBody>
+          <a:bodyPr rtlCol="0" anchor="ctr"/>
+          <a:lstStyle/>
+          <a:p>
+            <a:pPr algn="ctr"/>
+            <a:r>
+              <a:rPr lang="en-US" dirty="0"/>
+              <a:t>8</a:t>
+            </a:r>
+            <a:endParaRPr lang="de-DE" dirty="0"/>
+          </a:p>
+        </p:txBody>
+      </p:sp>
+      <p:sp>
+        <p:nvSpPr>
+          <p:cNvPr id="1037" name="Textfeld 1036"/>
+          <p:cNvSpPr txBox="1"/>
+          <p:nvPr/>
+        </p:nvSpPr>
+        <p:spPr>
+          <a:xfrm>
+            <a:off x="2821337" y="3355464"/>
+            <a:ext cx="704896" cy="369332"/>
+          </a:xfrm>
+          <a:prstGeom prst="rect">
+            <a:avLst/>
+          </a:prstGeom>
+          <a:noFill/>
+        </p:spPr>
+        <p:txBody>
+          <a:bodyPr wrap="square" rtlCol="0">
+            <a:spAutoFit/>
+          </a:bodyPr>
+          <a:lstStyle/>
+          <a:p>
+            <a:r>
+              <a:rPr lang="de-DE" dirty="0">
+                <a:solidFill>
+                  <a:schemeClr val="bg1"/>
+                </a:solidFill>
+              </a:rPr>
+              <a:t>11</a:t>
+            </a:r>
+          </a:p>
+        </p:txBody>
+      </p:sp>
+      <p:pic>
+        <p:nvPicPr>
+          <p:cNvPr id="38" name="Picture 6"/>
           <p:cNvPicPr>
             <a:picLocks noChangeAspect="1"/>
           </p:cNvPicPr>
@@ -3822,8 +4225,8 @@
         </p:blipFill>
         <p:spPr>
           <a:xfrm>
-            <a:off x="6980235" y="2979404"/>
-            <a:ext cx="687245" cy="824695"/>
+            <a:off x="5230036" y="4867513"/>
+            <a:ext cx="705774" cy="781780"/>
           </a:xfrm>
           <a:prstGeom prst="rect">
             <a:avLst/>
@@ -3832,13 +4235,13 @@
       </p:pic>
       <p:sp>
         <p:nvSpPr>
-          <p:cNvPr id="84" name="TextBox 504"/>
+          <p:cNvPr id="39" name="TextBox 504"/>
           <p:cNvSpPr txBox="1"/>
           <p:nvPr/>
         </p:nvSpPr>
         <p:spPr>
           <a:xfrm>
-            <a:off x="6904448" y="3955276"/>
+            <a:off x="5159980" y="5699520"/>
             <a:ext cx="825006" cy="155632"/>
           </a:xfrm>
           <a:prstGeom prst="rect">
@@ -3861,235 +4264,22 @@
           <a:p>
             <a:pPr algn="ctr"/>
             <a:r>
-              <a:rPr lang="en-US" sz="1000" b="1" dirty="0"/>
-              <a:t>EC2</a:t>
-            </a:r>
-          </a:p>
-        </p:txBody>
-      </p:sp>
-      <p:sp>
-        <p:nvSpPr>
-          <p:cNvPr id="87" name="TextBox 504"/>
-          <p:cNvSpPr txBox="1"/>
-          <p:nvPr/>
-        </p:nvSpPr>
-        <p:spPr>
-          <a:xfrm>
-            <a:off x="4247498" y="1980865"/>
-            <a:ext cx="825006" cy="155632"/>
-          </a:xfrm>
-          <a:prstGeom prst="rect">
-            <a:avLst/>
-          </a:prstGeom>
-          <a:noFill/>
-        </p:spPr>
-        <p:txBody>
-          <a:bodyPr wrap="square" lIns="0" tIns="0" rIns="0" bIns="0" rtlCol="0" anchor="t">
-            <a:noAutofit/>
-          </a:bodyPr>
-          <a:lstStyle/>
-          <a:p>
-            <a:pPr algn="ctr"/>
-            <a:r>
-              <a:rPr lang="en-US" sz="1000" b="1" dirty="0"/>
-              <a:t>Google Translate</a:t>
-            </a:r>
+              <a:rPr lang="en-US" sz="1000" b="1" dirty="0" err="1"/>
+              <a:t>DynamoDB</a:t>
+            </a:r>
+            <a:endParaRPr lang="en-US" sz="1000" b="1" dirty="0"/>
           </a:p>
         </p:txBody>
       </p:sp>
       <p:cxnSp>
         <p:nvCxnSpPr>
-          <p:cNvPr id="88" name="Straight Connector 34"/>
+          <p:cNvPr id="49" name="Straight Connector 34"/>
           <p:cNvCxnSpPr/>
           <p:nvPr/>
         </p:nvCxnSpPr>
         <p:spPr>
-          <a:xfrm>
-            <a:off x="5044976" y="1639077"/>
-            <a:ext cx="394290" cy="1277788"/>
-          </a:xfrm>
-          <a:prstGeom prst="bentConnector2">
-            <a:avLst/>
-          </a:prstGeom>
-          <a:ln w="57150">
-            <a:headEnd type="triangle" w="med" len="med"/>
-            <a:tailEnd type="triangle" w="med" len="med"/>
-          </a:ln>
-        </p:spPr>
-        <p:style>
-          <a:lnRef idx="1">
-            <a:schemeClr val="accent2"/>
-          </a:lnRef>
-          <a:fillRef idx="0">
-            <a:schemeClr val="accent2"/>
-          </a:fillRef>
-          <a:effectRef idx="0">
-            <a:schemeClr val="accent2"/>
-          </a:effectRef>
-          <a:fontRef idx="minor">
-            <a:schemeClr val="tx1"/>
-          </a:fontRef>
-        </p:style>
-      </p:cxnSp>
-      <p:pic>
-        <p:nvPicPr>
-          <p:cNvPr id="100" name="Grafik 99"/>
-          <p:cNvPicPr>
-            <a:picLocks noChangeAspect="1"/>
-          </p:cNvPicPr>
-          <p:nvPr/>
-        </p:nvPicPr>
-        <p:blipFill>
-          <a:blip r:embed="rId7"/>
-          <a:stretch>
-            <a:fillRect/>
-          </a:stretch>
-        </p:blipFill>
-        <p:spPr>
-          <a:xfrm>
-            <a:off x="6177327" y="1248730"/>
-            <a:ext cx="790726" cy="790726"/>
-          </a:xfrm>
-          <a:prstGeom prst="rect">
-            <a:avLst/>
-          </a:prstGeom>
-        </p:spPr>
-      </p:pic>
-      <p:cxnSp>
-        <p:nvCxnSpPr>
-          <p:cNvPr id="101" name="Straight Connector 34"/>
-          <p:cNvCxnSpPr>
-            <a:stCxn id="100" idx="1"/>
-          </p:cNvCxnSpPr>
-          <p:nvPr/>
-        </p:nvCxnSpPr>
-        <p:spPr>
-          <a:xfrm rot="10800000" flipV="1">
-            <a:off x="5751603" y="1644093"/>
-            <a:ext cx="425724" cy="1264204"/>
-          </a:xfrm>
-          <a:prstGeom prst="bentConnector2">
-            <a:avLst/>
-          </a:prstGeom>
-          <a:ln w="57150">
-            <a:headEnd type="triangle" w="med" len="med"/>
-            <a:tailEnd type="triangle" w="med" len="med"/>
-          </a:ln>
-        </p:spPr>
-        <p:style>
-          <a:lnRef idx="1">
-            <a:schemeClr val="accent2"/>
-          </a:lnRef>
-          <a:fillRef idx="0">
-            <a:schemeClr val="accent2"/>
-          </a:fillRef>
-          <a:effectRef idx="0">
-            <a:schemeClr val="accent2"/>
-          </a:effectRef>
-          <a:fontRef idx="minor">
-            <a:schemeClr val="tx1"/>
-          </a:fontRef>
-        </p:style>
-      </p:cxnSp>
-      <p:sp>
-        <p:nvSpPr>
-          <p:cNvPr id="102" name="Ellipse 101"/>
-          <p:cNvSpPr/>
-          <p:nvPr/>
-        </p:nvSpPr>
-        <p:spPr>
-          <a:xfrm>
-            <a:off x="5275140" y="1995095"/>
-            <a:ext cx="280463" cy="282804"/>
-          </a:xfrm>
-          <a:prstGeom prst="ellipse">
-            <a:avLst/>
-          </a:prstGeom>
-        </p:spPr>
-        <p:style>
-          <a:lnRef idx="2">
-            <a:schemeClr val="accent2">
-              <a:shade val="50000"/>
-            </a:schemeClr>
-          </a:lnRef>
-          <a:fillRef idx="1">
-            <a:schemeClr val="accent2"/>
-          </a:fillRef>
-          <a:effectRef idx="0">
-            <a:schemeClr val="accent2"/>
-          </a:effectRef>
-          <a:fontRef idx="minor">
-            <a:schemeClr val="lt1"/>
-          </a:fontRef>
-        </p:style>
-        <p:txBody>
-          <a:bodyPr rtlCol="0" anchor="ctr"/>
-          <a:lstStyle/>
-          <a:p>
-            <a:pPr algn="ctr"/>
-            <a:r>
-              <a:rPr lang="en-US" dirty="0" smtClean="0"/>
-              <a:t>3</a:t>
-            </a:r>
-            <a:endParaRPr lang="de-DE" dirty="0"/>
-          </a:p>
-        </p:txBody>
-      </p:sp>
-      <p:sp>
-        <p:nvSpPr>
-          <p:cNvPr id="103" name="Ellipse 102"/>
-          <p:cNvSpPr/>
-          <p:nvPr/>
-        </p:nvSpPr>
-        <p:spPr>
-          <a:xfrm>
-            <a:off x="5611371" y="1995095"/>
-            <a:ext cx="280463" cy="282804"/>
-          </a:xfrm>
-          <a:prstGeom prst="ellipse">
-            <a:avLst/>
-          </a:prstGeom>
-        </p:spPr>
-        <p:style>
-          <a:lnRef idx="2">
-            <a:schemeClr val="accent2">
-              <a:shade val="50000"/>
-            </a:schemeClr>
-          </a:lnRef>
-          <a:fillRef idx="1">
-            <a:schemeClr val="accent2"/>
-          </a:fillRef>
-          <a:effectRef idx="0">
-            <a:schemeClr val="accent2"/>
-          </a:effectRef>
-          <a:fontRef idx="minor">
-            <a:schemeClr val="lt1"/>
-          </a:fontRef>
-        </p:style>
-        <p:txBody>
-          <a:bodyPr rtlCol="0" anchor="ctr"/>
-          <a:lstStyle/>
-          <a:p>
-            <a:pPr algn="ctr"/>
-            <a:r>
-              <a:rPr lang="en-US" dirty="0" smtClean="0"/>
-              <a:t>4</a:t>
-            </a:r>
-            <a:endParaRPr lang="de-DE" dirty="0"/>
-          </a:p>
-        </p:txBody>
-      </p:sp>
-      <p:cxnSp>
-        <p:nvCxnSpPr>
-          <p:cNvPr id="108" name="Straight Connector 34"/>
-          <p:cNvCxnSpPr>
-            <a:endCxn id="6" idx="0"/>
-          </p:cNvCxnSpPr>
-          <p:nvPr/>
-        </p:nvCxnSpPr>
-        <p:spPr>
           <a:xfrm rot="16200000" flipH="1">
-            <a:off x="7017738" y="4541684"/>
+            <a:off x="5286068" y="4542076"/>
             <a:ext cx="582780" cy="1"/>
           </a:xfrm>
           <a:prstGeom prst="bentConnector3">
@@ -4119,13 +4309,13 @@
       </p:cxnSp>
       <p:sp>
         <p:nvSpPr>
-          <p:cNvPr id="115" name="Ellipse 114"/>
+          <p:cNvPr id="50" name="Ellipse 115"/>
           <p:cNvSpPr/>
           <p:nvPr/>
         </p:nvSpPr>
         <p:spPr>
           <a:xfrm>
-            <a:off x="6275087" y="4250294"/>
+            <a:off x="5655347" y="4400675"/>
             <a:ext cx="280463" cy="282804"/>
           </a:xfrm>
           <a:prstGeom prst="ellipse">
@@ -4154,8 +4344,8 @@
           <a:p>
             <a:pPr algn="ctr"/>
             <a:r>
-              <a:rPr lang="en-US" dirty="0" smtClean="0"/>
-              <a:t>6</a:t>
+              <a:rPr lang="en-US" dirty="0"/>
+              <a:t>5</a:t>
             </a:r>
             <a:endParaRPr lang="de-DE" dirty="0"/>
           </a:p>
@@ -4163,13 +4353,106 @@
       </p:sp>
       <p:sp>
         <p:nvSpPr>
-          <p:cNvPr id="116" name="Ellipse 115"/>
+          <p:cNvPr id="51" name="Textfeld 1036"/>
+          <p:cNvSpPr txBox="1"/>
+          <p:nvPr/>
+        </p:nvSpPr>
+        <p:spPr>
+          <a:xfrm>
+            <a:off x="4610483" y="3356888"/>
+            <a:ext cx="704896" cy="369332"/>
+          </a:xfrm>
+          <a:prstGeom prst="rect">
+            <a:avLst/>
+          </a:prstGeom>
+          <a:noFill/>
+        </p:spPr>
+        <p:txBody>
+          <a:bodyPr wrap="square" rtlCol="0">
+            <a:spAutoFit/>
+          </a:bodyPr>
+          <a:lstStyle/>
+          <a:p>
+            <a:r>
+              <a:rPr lang="de-DE" dirty="0">
+                <a:solidFill>
+                  <a:schemeClr val="bg1"/>
+                </a:solidFill>
+              </a:rPr>
+              <a:t>10</a:t>
+            </a:r>
+          </a:p>
+        </p:txBody>
+      </p:sp>
+      <p:pic>
+        <p:nvPicPr>
+          <p:cNvPr id="54" name="Grafik 25"/>
+          <p:cNvPicPr>
+            <a:picLocks noChangeAspect="1"/>
+          </p:cNvPicPr>
+          <p:nvPr/>
+        </p:nvPicPr>
+        <p:blipFill>
+          <a:blip r:embed="rId9"/>
+          <a:stretch>
+            <a:fillRect/>
+          </a:stretch>
+        </p:blipFill>
+        <p:spPr>
+          <a:xfrm>
+            <a:off x="1812126" y="4542457"/>
+            <a:ext cx="650096" cy="1312695"/>
+          </a:xfrm>
+          <a:prstGeom prst="rect">
+            <a:avLst/>
+          </a:prstGeom>
+        </p:spPr>
+      </p:pic>
+      <p:cxnSp>
+        <p:nvCxnSpPr>
+          <p:cNvPr id="59" name="Straight Connector 34"/>
+          <p:cNvCxnSpPr>
+            <a:stCxn id="12" idx="2"/>
+          </p:cNvCxnSpPr>
+          <p:nvPr/>
+        </p:nvCxnSpPr>
+        <p:spPr>
+          <a:xfrm rot="5400000">
+            <a:off x="2731495" y="4105666"/>
+            <a:ext cx="995949" cy="1285206"/>
+          </a:xfrm>
+          <a:prstGeom prst="bentConnector2">
+            <a:avLst/>
+          </a:prstGeom>
+          <a:ln w="57150">
+            <a:headEnd type="none" w="med" len="med"/>
+            <a:tailEnd type="triangle" w="med" len="med"/>
+          </a:ln>
+        </p:spPr>
+        <p:style>
+          <a:lnRef idx="1">
+            <a:schemeClr val="accent2"/>
+          </a:lnRef>
+          <a:fillRef idx="0">
+            <a:schemeClr val="accent2"/>
+          </a:fillRef>
+          <a:effectRef idx="0">
+            <a:schemeClr val="accent2"/>
+          </a:effectRef>
+          <a:fontRef idx="minor">
+            <a:schemeClr val="tx1"/>
+          </a:fontRef>
+        </p:style>
+      </p:cxnSp>
+      <p:sp>
+        <p:nvSpPr>
+          <p:cNvPr id="62" name="Ellipse 52"/>
           <p:cNvSpPr/>
           <p:nvPr/>
         </p:nvSpPr>
         <p:spPr>
           <a:xfrm>
-            <a:off x="7387017" y="4400283"/>
+            <a:off x="2893322" y="5107305"/>
             <a:ext cx="280463" cy="282804"/>
           </a:xfrm>
           <a:prstGeom prst="ellipse">
@@ -4197,23 +4480,19 @@
           <a:lstStyle/>
           <a:p>
             <a:pPr algn="ctr"/>
-            <a:r>
-              <a:rPr lang="en-US" dirty="0" smtClean="0"/>
-              <a:t>8</a:t>
-            </a:r>
             <a:endParaRPr lang="de-DE" dirty="0"/>
           </a:p>
         </p:txBody>
       </p:sp>
       <p:sp>
         <p:nvSpPr>
-          <p:cNvPr id="1037" name="Textfeld 1036"/>
+          <p:cNvPr id="63" name="Textfeld 1036"/>
           <p:cNvSpPr txBox="1"/>
           <p:nvPr/>
         </p:nvSpPr>
         <p:spPr>
           <a:xfrm>
-            <a:off x="2821337" y="3355464"/>
+            <a:off x="2827456" y="5072089"/>
             <a:ext cx="704896" cy="369332"/>
           </a:xfrm>
           <a:prstGeom prst="rect">
@@ -4228,205 +4507,19 @@
           <a:lstStyle/>
           <a:p>
             <a:r>
-              <a:rPr lang="de-DE" dirty="0" smtClean="0">
+              <a:rPr lang="de-DE" dirty="0">
                 <a:solidFill>
                   <a:schemeClr val="bg1"/>
                 </a:solidFill>
               </a:rPr>
               <a:t>11</a:t>
             </a:r>
-            <a:endParaRPr lang="de-DE" dirty="0">
-              <a:solidFill>
-                <a:schemeClr val="bg1"/>
-              </a:solidFill>
-            </a:endParaRPr>
           </a:p>
         </p:txBody>
       </p:sp>
       <p:pic>
         <p:nvPicPr>
-          <p:cNvPr id="38" name="Picture 6"/>
-          <p:cNvPicPr>
-            <a:picLocks noChangeAspect="1"/>
-          </p:cNvPicPr>
-          <p:nvPr/>
-        </p:nvPicPr>
-        <p:blipFill>
-          <a:blip r:embed="rId9">
-            <a:extLst>
-              <a:ext uri="{28A0092B-C50C-407E-A947-70E740481C1C}">
-                <a14:useLocalDpi xmlns:a14="http://schemas.microsoft.com/office/drawing/2010/main" val="0"/>
-              </a:ext>
-            </a:extLst>
-          </a:blip>
-          <a:stretch>
-            <a:fillRect/>
-          </a:stretch>
-        </p:blipFill>
-        <p:spPr>
-          <a:xfrm>
-            <a:off x="5230036" y="4867513"/>
-            <a:ext cx="705774" cy="781780"/>
-          </a:xfrm>
-          <a:prstGeom prst="rect">
-            <a:avLst/>
-          </a:prstGeom>
-        </p:spPr>
-      </p:pic>
-      <p:sp>
-        <p:nvSpPr>
-          <p:cNvPr id="39" name="TextBox 504"/>
-          <p:cNvSpPr txBox="1"/>
-          <p:nvPr/>
-        </p:nvSpPr>
-        <p:spPr>
-          <a:xfrm>
-            <a:off x="5159980" y="5699520"/>
-            <a:ext cx="825006" cy="155632"/>
-          </a:xfrm>
-          <a:prstGeom prst="rect">
-            <a:avLst/>
-          </a:prstGeom>
-          <a:noFill/>
-        </p:spPr>
-        <p:txBody>
-          <a:bodyPr wrap="square" lIns="0" tIns="0" rIns="0" bIns="0" rtlCol="0" anchor="t">
-            <a:noAutofit/>
-          </a:bodyPr>
-          <a:lstStyle/>
-          <a:p>
-            <a:pPr algn="ctr"/>
-            <a:r>
-              <a:rPr lang="en-US" sz="1000" b="1" dirty="0"/>
-              <a:t>AWS</a:t>
-            </a:r>
-          </a:p>
-          <a:p>
-            <a:pPr algn="ctr"/>
-            <a:r>
-              <a:rPr lang="en-US" sz="1000" b="1" dirty="0" err="1"/>
-              <a:t>DynamoDB</a:t>
-            </a:r>
-            <a:endParaRPr lang="en-US" sz="1000" b="1" dirty="0"/>
-          </a:p>
-        </p:txBody>
-      </p:sp>
-      <p:cxnSp>
-        <p:nvCxnSpPr>
-          <p:cNvPr id="49" name="Straight Connector 34"/>
-          <p:cNvCxnSpPr/>
-          <p:nvPr/>
-        </p:nvCxnSpPr>
-        <p:spPr>
-          <a:xfrm rot="16200000" flipH="1">
-            <a:off x="5286068" y="4542076"/>
-            <a:ext cx="582780" cy="1"/>
-          </a:xfrm>
-          <a:prstGeom prst="bentConnector3">
-            <a:avLst>
-              <a:gd name="adj1" fmla="val 50000"/>
-            </a:avLst>
-          </a:prstGeom>
-          <a:ln w="57150">
-            <a:headEnd type="triangle" w="med" len="med"/>
-            <a:tailEnd type="triangle" w="med" len="med"/>
-          </a:ln>
-        </p:spPr>
-        <p:style>
-          <a:lnRef idx="1">
-            <a:schemeClr val="accent2"/>
-          </a:lnRef>
-          <a:fillRef idx="0">
-            <a:schemeClr val="accent2"/>
-          </a:fillRef>
-          <a:effectRef idx="0">
-            <a:schemeClr val="accent2"/>
-          </a:effectRef>
-          <a:fontRef idx="minor">
-            <a:schemeClr val="tx1"/>
-          </a:fontRef>
-        </p:style>
-      </p:cxnSp>
-      <p:sp>
-        <p:nvSpPr>
-          <p:cNvPr id="50" name="Ellipse 115"/>
-          <p:cNvSpPr/>
-          <p:nvPr/>
-        </p:nvSpPr>
-        <p:spPr>
-          <a:xfrm>
-            <a:off x="5655347" y="4400675"/>
-            <a:ext cx="280463" cy="282804"/>
-          </a:xfrm>
-          <a:prstGeom prst="ellipse">
-            <a:avLst/>
-          </a:prstGeom>
-        </p:spPr>
-        <p:style>
-          <a:lnRef idx="2">
-            <a:schemeClr val="accent2">
-              <a:shade val="50000"/>
-            </a:schemeClr>
-          </a:lnRef>
-          <a:fillRef idx="1">
-            <a:schemeClr val="accent2"/>
-          </a:fillRef>
-          <a:effectRef idx="0">
-            <a:schemeClr val="accent2"/>
-          </a:effectRef>
-          <a:fontRef idx="minor">
-            <a:schemeClr val="lt1"/>
-          </a:fontRef>
-        </p:style>
-        <p:txBody>
-          <a:bodyPr rtlCol="0" anchor="ctr"/>
-          <a:lstStyle/>
-          <a:p>
-            <a:pPr algn="ctr"/>
-            <a:r>
-              <a:rPr lang="en-US" dirty="0" smtClean="0"/>
-              <a:t>5</a:t>
-            </a:r>
-            <a:endParaRPr lang="de-DE" dirty="0"/>
-          </a:p>
-        </p:txBody>
-      </p:sp>
-      <p:sp>
-        <p:nvSpPr>
-          <p:cNvPr id="51" name="Textfeld 1036"/>
-          <p:cNvSpPr txBox="1"/>
-          <p:nvPr/>
-        </p:nvSpPr>
-        <p:spPr>
-          <a:xfrm>
-            <a:off x="4610483" y="3356888"/>
-            <a:ext cx="704896" cy="369332"/>
-          </a:xfrm>
-          <a:prstGeom prst="rect">
-            <a:avLst/>
-          </a:prstGeom>
-          <a:noFill/>
-        </p:spPr>
-        <p:txBody>
-          <a:bodyPr wrap="square" rtlCol="0">
-            <a:spAutoFit/>
-          </a:bodyPr>
-          <a:lstStyle/>
-          <a:p>
-            <a:r>
-              <a:rPr lang="de-DE" dirty="0">
-                <a:solidFill>
-                  <a:schemeClr val="bg1"/>
-                </a:solidFill>
-              </a:rPr>
-              <a:t>10</a:t>
-            </a:r>
-          </a:p>
-        </p:txBody>
-      </p:sp>
-      <p:pic>
-        <p:nvPicPr>
-          <p:cNvPr id="54" name="Grafik 25"/>
+          <p:cNvPr id="3" name="Grafik 2"/>
           <p:cNvPicPr>
             <a:picLocks noChangeAspect="1"/>
           </p:cNvPicPr>
@@ -4440,128 +4533,14 @@
         </p:blipFill>
         <p:spPr>
           <a:xfrm>
-            <a:off x="1812126" y="4542457"/>
-            <a:ext cx="650096" cy="1312695"/>
+            <a:off x="4367941" y="1321133"/>
+            <a:ext cx="628477" cy="618146"/>
           </a:xfrm>
           <a:prstGeom prst="rect">
             <a:avLst/>
           </a:prstGeom>
         </p:spPr>
       </p:pic>
-      <p:cxnSp>
-        <p:nvCxnSpPr>
-          <p:cNvPr id="59" name="Straight Connector 34"/>
-          <p:cNvCxnSpPr>
-            <a:stCxn id="12" idx="2"/>
-          </p:cNvCxnSpPr>
-          <p:nvPr/>
-        </p:nvCxnSpPr>
-        <p:spPr>
-          <a:xfrm rot="5400000">
-            <a:off x="2731495" y="4105666"/>
-            <a:ext cx="995949" cy="1285206"/>
-          </a:xfrm>
-          <a:prstGeom prst="bentConnector2">
-            <a:avLst/>
-          </a:prstGeom>
-          <a:ln w="57150">
-            <a:headEnd type="none" w="med" len="med"/>
-            <a:tailEnd type="triangle" w="med" len="med"/>
-          </a:ln>
-        </p:spPr>
-        <p:style>
-          <a:lnRef idx="1">
-            <a:schemeClr val="accent2"/>
-          </a:lnRef>
-          <a:fillRef idx="0">
-            <a:schemeClr val="accent2"/>
-          </a:fillRef>
-          <a:effectRef idx="0">
-            <a:schemeClr val="accent2"/>
-          </a:effectRef>
-          <a:fontRef idx="minor">
-            <a:schemeClr val="tx1"/>
-          </a:fontRef>
-        </p:style>
-      </p:cxnSp>
-      <p:sp>
-        <p:nvSpPr>
-          <p:cNvPr id="62" name="Ellipse 52"/>
-          <p:cNvSpPr/>
-          <p:nvPr/>
-        </p:nvSpPr>
-        <p:spPr>
-          <a:xfrm>
-            <a:off x="2893322" y="5107305"/>
-            <a:ext cx="280463" cy="282804"/>
-          </a:xfrm>
-          <a:prstGeom prst="ellipse">
-            <a:avLst/>
-          </a:prstGeom>
-        </p:spPr>
-        <p:style>
-          <a:lnRef idx="2">
-            <a:schemeClr val="accent2">
-              <a:shade val="50000"/>
-            </a:schemeClr>
-          </a:lnRef>
-          <a:fillRef idx="1">
-            <a:schemeClr val="accent2"/>
-          </a:fillRef>
-          <a:effectRef idx="0">
-            <a:schemeClr val="accent2"/>
-          </a:effectRef>
-          <a:fontRef idx="minor">
-            <a:schemeClr val="lt1"/>
-          </a:fontRef>
-        </p:style>
-        <p:txBody>
-          <a:bodyPr rtlCol="0" anchor="ctr"/>
-          <a:lstStyle/>
-          <a:p>
-            <a:pPr algn="ctr"/>
-            <a:endParaRPr lang="de-DE" dirty="0"/>
-          </a:p>
-        </p:txBody>
-      </p:sp>
-      <p:sp>
-        <p:nvSpPr>
-          <p:cNvPr id="63" name="Textfeld 1036"/>
-          <p:cNvSpPr txBox="1"/>
-          <p:nvPr/>
-        </p:nvSpPr>
-        <p:spPr>
-          <a:xfrm>
-            <a:off x="2827456" y="5072089"/>
-            <a:ext cx="704896" cy="369332"/>
-          </a:xfrm>
-          <a:prstGeom prst="rect">
-            <a:avLst/>
-          </a:prstGeom>
-          <a:noFill/>
-        </p:spPr>
-        <p:txBody>
-          <a:bodyPr wrap="square" rtlCol="0">
-            <a:spAutoFit/>
-          </a:bodyPr>
-          <a:lstStyle/>
-          <a:p>
-            <a:r>
-              <a:rPr lang="de-DE" dirty="0" smtClean="0">
-                <a:solidFill>
-                  <a:schemeClr val="bg1"/>
-                </a:solidFill>
-              </a:rPr>
-              <a:t>11</a:t>
-            </a:r>
-            <a:endParaRPr lang="de-DE" dirty="0">
-              <a:solidFill>
-                <a:schemeClr val="bg1"/>
-              </a:solidFill>
-            </a:endParaRPr>
-          </a:p>
-        </p:txBody>
-      </p:sp>
     </p:spTree>
     <p:extLst>
       <p:ext uri="{BB962C8B-B14F-4D97-AF65-F5344CB8AC3E}">

--- a/docs/solution-architecture.pptx
+++ b/docs/solution-architecture.pptx
@@ -2951,15 +2951,13 @@
       <p:cxnSp>
         <p:nvCxnSpPr>
           <p:cNvPr id="66" name="Straight Connector 34"/>
-          <p:cNvCxnSpPr>
-            <a:endCxn id="11" idx="3"/>
-          </p:cNvCxnSpPr>
+          <p:cNvCxnSpPr/>
           <p:nvPr/>
         </p:nvCxnSpPr>
         <p:spPr>
           <a:xfrm flipH="1" flipV="1">
-            <a:off x="5982284" y="3992146"/>
-            <a:ext cx="888057" cy="838207"/>
+            <a:off x="6057657" y="3868676"/>
+            <a:ext cx="1227650" cy="998839"/>
           </a:xfrm>
           <a:prstGeom prst="line">
             <a:avLst/>
@@ -3047,7 +3045,7 @@
         </p:blipFill>
         <p:spPr>
           <a:xfrm>
-            <a:off x="6964823" y="4833075"/>
+            <a:off x="7302281" y="4833075"/>
             <a:ext cx="688611" cy="826334"/>
           </a:xfrm>
           <a:prstGeom prst="rect">
@@ -3167,7 +3165,7 @@
         </p:nvSpPr>
         <p:spPr>
           <a:xfrm>
-            <a:off x="6904448" y="5731581"/>
+            <a:off x="7241906" y="5731581"/>
             <a:ext cx="825006" cy="155632"/>
           </a:xfrm>
           <a:prstGeom prst="rect">
@@ -3610,8 +3608,8 @@
         </p:nvCxnSpPr>
         <p:spPr>
           <a:xfrm flipH="1">
-            <a:off x="6021028" y="3230490"/>
-            <a:ext cx="834305" cy="0"/>
+            <a:off x="6021029" y="3217708"/>
+            <a:ext cx="1220877" cy="12782"/>
           </a:xfrm>
           <a:prstGeom prst="line">
             <a:avLst/>
@@ -3644,8 +3642,8 @@
         </p:nvCxnSpPr>
         <p:spPr>
           <a:xfrm flipH="1">
-            <a:off x="6021027" y="3540130"/>
-            <a:ext cx="834305" cy="0"/>
+            <a:off x="6021028" y="3533154"/>
+            <a:ext cx="1141772" cy="6976"/>
           </a:xfrm>
           <a:prstGeom prst="line">
             <a:avLst/>
@@ -3678,7 +3676,7 @@
         </p:nvSpPr>
         <p:spPr>
           <a:xfrm>
-            <a:off x="6233870" y="3043044"/>
+            <a:off x="6491235" y="3056230"/>
             <a:ext cx="280463" cy="282804"/>
           </a:xfrm>
           <a:prstGeom prst="ellipse">
@@ -3722,7 +3720,7 @@
         </p:nvSpPr>
         <p:spPr>
           <a:xfrm>
-            <a:off x="6369377" y="3391752"/>
+            <a:off x="6502869" y="3391752"/>
             <a:ext cx="280463" cy="282804"/>
           </a:xfrm>
           <a:prstGeom prst="ellipse">
@@ -3780,7 +3778,7 @@
         </p:blipFill>
         <p:spPr>
           <a:xfrm>
-            <a:off x="6980235" y="2979404"/>
+            <a:off x="7317693" y="2979404"/>
             <a:ext cx="687245" cy="824695"/>
           </a:xfrm>
           <a:prstGeom prst="rect">
@@ -3796,7 +3794,7 @@
         </p:nvSpPr>
         <p:spPr>
           <a:xfrm>
-            <a:off x="6904448" y="3955276"/>
+            <a:off x="7241906" y="3955276"/>
             <a:ext cx="825006" cy="155632"/>
           </a:xfrm>
           <a:prstGeom prst="rect">
@@ -3994,7 +3992,7 @@
             <a:pPr algn="ctr"/>
             <a:r>
               <a:rPr lang="en-US" dirty="0"/>
-              <a:t>3</a:t>
+              <a:t>4</a:t>
             </a:r>
             <a:endParaRPr lang="de-DE" dirty="0"/>
           </a:p>
@@ -4038,7 +4036,7 @@
             <a:pPr algn="ctr"/>
             <a:r>
               <a:rPr lang="en-US" dirty="0"/>
-              <a:t>4</a:t>
+              <a:t>5</a:t>
             </a:r>
             <a:endParaRPr lang="de-DE" dirty="0"/>
           </a:p>
@@ -4054,7 +4052,7 @@
         </p:nvCxnSpPr>
         <p:spPr>
           <a:xfrm rot="16200000" flipH="1">
-            <a:off x="7017738" y="4541684"/>
+            <a:off x="7355196" y="4541684"/>
             <a:ext cx="582780" cy="1"/>
           </a:xfrm>
           <a:prstGeom prst="bentConnector3">
@@ -4090,7 +4088,7 @@
         </p:nvSpPr>
         <p:spPr>
           <a:xfrm>
-            <a:off x="6275087" y="4250294"/>
+            <a:off x="6470159" y="4164987"/>
             <a:ext cx="280463" cy="282804"/>
           </a:xfrm>
           <a:prstGeom prst="ellipse">
@@ -4134,7 +4132,7 @@
         </p:nvSpPr>
         <p:spPr>
           <a:xfrm>
-            <a:off x="7387017" y="4400283"/>
+            <a:off x="7724475" y="4400283"/>
             <a:ext cx="280463" cy="282804"/>
           </a:xfrm>
           <a:prstGeom prst="ellipse">
@@ -4198,7 +4196,7 @@
                   <a:schemeClr val="bg1"/>
                 </a:solidFill>
               </a:rPr>
-              <a:t>11</a:t>
+              <a:t>12</a:t>
             </a:r>
           </a:p>
         </p:txBody>
@@ -4279,7 +4277,7 @@
         </p:nvCxnSpPr>
         <p:spPr>
           <a:xfrm rot="16200000" flipH="1">
-            <a:off x="5286068" y="4542076"/>
+            <a:off x="5111892" y="4542076"/>
             <a:ext cx="582780" cy="1"/>
           </a:xfrm>
           <a:prstGeom prst="bentConnector3">
@@ -4315,7 +4313,7 @@
         </p:nvSpPr>
         <p:spPr>
           <a:xfrm>
-            <a:off x="5655347" y="4400675"/>
+            <a:off x="5000971" y="4361603"/>
             <a:ext cx="280463" cy="282804"/>
           </a:xfrm>
           <a:prstGeom prst="ellipse">
@@ -4345,7 +4343,7 @@
             <a:pPr algn="ctr"/>
             <a:r>
               <a:rPr lang="en-US" dirty="0"/>
-              <a:t>5</a:t>
+              <a:t>3</a:t>
             </a:r>
             <a:endParaRPr lang="de-DE" dirty="0"/>
           </a:p>
@@ -4379,7 +4377,7 @@
                   <a:schemeClr val="bg1"/>
                 </a:solidFill>
               </a:rPr>
-              <a:t>10</a:t>
+              <a:t>11</a:t>
             </a:r>
           </a:p>
         </p:txBody>
@@ -4412,16 +4410,16 @@
         <p:nvCxnSpPr>
           <p:cNvPr id="59" name="Straight Connector 34"/>
           <p:cNvCxnSpPr>
-            <a:stCxn id="12" idx="2"/>
+            <a:stCxn id="12" idx="1"/>
           </p:cNvCxnSpPr>
           <p:nvPr/>
         </p:nvCxnSpPr>
         <p:spPr>
-          <a:xfrm rot="5400000">
-            <a:off x="2731495" y="4105666"/>
-            <a:ext cx="995949" cy="1285206"/>
-          </a:xfrm>
-          <a:prstGeom prst="bentConnector2">
+          <a:xfrm flipH="1">
+            <a:off x="2705609" y="4082313"/>
+            <a:ext cx="753960" cy="650242"/>
+          </a:xfrm>
+          <a:prstGeom prst="straightConnector1">
             <a:avLst/>
           </a:prstGeom>
           <a:ln w="57150">
@@ -4452,7 +4450,7 @@
         </p:nvSpPr>
         <p:spPr>
           <a:xfrm>
-            <a:off x="2893322" y="5107305"/>
+            <a:off x="3013724" y="4189546"/>
             <a:ext cx="280463" cy="282804"/>
           </a:xfrm>
           <a:prstGeom prst="ellipse">
@@ -4492,7 +4490,7 @@
         </p:nvSpPr>
         <p:spPr>
           <a:xfrm>
-            <a:off x="2827456" y="5072089"/>
+            <a:off x="2947858" y="4143444"/>
             <a:ext cx="704896" cy="369332"/>
           </a:xfrm>
           <a:prstGeom prst="rect">
@@ -4512,7 +4510,7 @@
                   <a:schemeClr val="bg1"/>
                 </a:solidFill>
               </a:rPr>
-              <a:t>11</a:t>
+              <a:t>12</a:t>
             </a:r>
           </a:p>
         </p:txBody>
@@ -4535,6 +4533,139 @@
           <a:xfrm>
             <a:off x="4367941" y="1321133"/>
             <a:ext cx="628477" cy="618146"/>
+          </a:xfrm>
+          <a:prstGeom prst="rect">
+            <a:avLst/>
+          </a:prstGeom>
+        </p:spPr>
+      </p:pic>
+      <p:sp>
+        <p:nvSpPr>
+          <p:cNvPr id="47" name="Ellipse 115"/>
+          <p:cNvSpPr/>
+          <p:nvPr/>
+        </p:nvSpPr>
+        <p:spPr>
+          <a:xfrm>
+            <a:off x="5862584" y="4380575"/>
+            <a:ext cx="280463" cy="282804"/>
+          </a:xfrm>
+          <a:prstGeom prst="ellipse">
+            <a:avLst/>
+          </a:prstGeom>
+        </p:spPr>
+        <p:style>
+          <a:lnRef idx="2">
+            <a:schemeClr val="accent2">
+              <a:shade val="50000"/>
+            </a:schemeClr>
+          </a:lnRef>
+          <a:fillRef idx="1">
+            <a:schemeClr val="accent2"/>
+          </a:fillRef>
+          <a:effectRef idx="0">
+            <a:schemeClr val="accent2"/>
+          </a:effectRef>
+          <a:fontRef idx="minor">
+            <a:schemeClr val="lt1"/>
+          </a:fontRef>
+        </p:style>
+        <p:txBody>
+          <a:bodyPr rtlCol="0" anchor="ctr"/>
+          <a:lstStyle/>
+          <a:p>
+            <a:pPr algn="ctr"/>
+            <a:endParaRPr lang="de-DE" dirty="0"/>
+          </a:p>
+        </p:txBody>
+      </p:sp>
+      <p:cxnSp>
+        <p:nvCxnSpPr>
+          <p:cNvPr id="48" name="Straight Connector 34"/>
+          <p:cNvCxnSpPr/>
+          <p:nvPr/>
+        </p:nvCxnSpPr>
+        <p:spPr>
+          <a:xfrm rot="16200000" flipH="1">
+            <a:off x="5454749" y="4541684"/>
+            <a:ext cx="582780" cy="1"/>
+          </a:xfrm>
+          <a:prstGeom prst="bentConnector3">
+            <a:avLst>
+              <a:gd name="adj1" fmla="val 50000"/>
+            </a:avLst>
+          </a:prstGeom>
+          <a:ln w="57150">
+            <a:headEnd type="triangle" w="med" len="med"/>
+            <a:tailEnd type="triangle" w="med" len="med"/>
+          </a:ln>
+        </p:spPr>
+        <p:style>
+          <a:lnRef idx="1">
+            <a:schemeClr val="accent2"/>
+          </a:lnRef>
+          <a:fillRef idx="0">
+            <a:schemeClr val="accent2"/>
+          </a:fillRef>
+          <a:effectRef idx="0">
+            <a:schemeClr val="accent2"/>
+          </a:effectRef>
+          <a:fontRef idx="minor">
+            <a:schemeClr val="tx1"/>
+          </a:fontRef>
+        </p:style>
+      </p:cxnSp>
+      <p:sp>
+        <p:nvSpPr>
+          <p:cNvPr id="58" name="Textfeld 1036"/>
+          <p:cNvSpPr txBox="1"/>
+          <p:nvPr/>
+        </p:nvSpPr>
+        <p:spPr>
+          <a:xfrm>
+            <a:off x="5799431" y="4328110"/>
+            <a:ext cx="704896" cy="369332"/>
+          </a:xfrm>
+          <a:prstGeom prst="rect">
+            <a:avLst/>
+          </a:prstGeom>
+          <a:noFill/>
+        </p:spPr>
+        <p:txBody>
+          <a:bodyPr wrap="square" rtlCol="0">
+            <a:spAutoFit/>
+          </a:bodyPr>
+          <a:lstStyle/>
+          <a:p>
+            <a:r>
+              <a:rPr lang="de-DE" dirty="0">
+                <a:solidFill>
+                  <a:schemeClr val="bg1"/>
+                </a:solidFill>
+              </a:rPr>
+              <a:t>10</a:t>
+            </a:r>
+          </a:p>
+        </p:txBody>
+      </p:sp>
+      <p:pic>
+        <p:nvPicPr>
+          <p:cNvPr id="17" name="Grafik 16"/>
+          <p:cNvPicPr>
+            <a:picLocks noChangeAspect="1"/>
+          </p:cNvPicPr>
+          <p:nvPr/>
+        </p:nvPicPr>
+        <p:blipFill>
+          <a:blip r:embed="rId11"/>
+          <a:stretch>
+            <a:fillRect/>
+          </a:stretch>
+        </p:blipFill>
+        <p:spPr>
+          <a:xfrm>
+            <a:off x="1844737" y="4697443"/>
+            <a:ext cx="560242" cy="996484"/>
           </a:xfrm>
           <a:prstGeom prst="rect">
             <a:avLst/>
